--- a/Documentação/apresentação.pptx
+++ b/Documentação/apresentação.pptx
@@ -2,19 +2,27 @@
 <file path=ppt/presentation.xml><?xml version="1.0" encoding="utf-8"?>
 <p:presentation xmlns:a="http://schemas.openxmlformats.org/drawingml/2006/main" xmlns:r="http://schemas.openxmlformats.org/officeDocument/2006/relationships" xmlns:p="http://schemas.openxmlformats.org/presentationml/2006/main" saveSubsetFonts="1">
   <p:sldMasterIdLst>
-    <p:sldMasterId id="2147483648" r:id="rId1"/>
+    <p:sldMasterId id="2147483672" r:id="rId1"/>
   </p:sldMasterIdLst>
   <p:sldIdLst>
     <p:sldId id="256" r:id="rId2"/>
-    <p:sldId id="257" r:id="rId3"/>
+    <p:sldId id="258" r:id="rId3"/>
+    <p:sldId id="261" r:id="rId4"/>
+    <p:sldId id="260" r:id="rId5"/>
+    <p:sldId id="259" r:id="rId6"/>
+    <p:sldId id="257" r:id="rId7"/>
+    <p:sldId id="264" r:id="rId8"/>
+    <p:sldId id="262" r:id="rId9"/>
+    <p:sldId id="265" r:id="rId10"/>
+    <p:sldId id="267" r:id="rId11"/>
   </p:sldIdLst>
   <p:sldSz cx="12192000" cy="6858000"/>
   <p:notesSz cx="6858000" cy="9144000"/>
   <p:defaultTextStyle>
     <a:defPPr>
-      <a:defRPr lang="pt-BR"/>
+      <a:defRPr lang="en-US"/>
     </a:defPPr>
-    <a:lvl1pPr marL="0" algn="l" defTabSz="914400" rtl="0" eaLnBrk="1" latinLnBrk="0" hangingPunct="1">
+    <a:lvl1pPr marL="0" algn="l" defTabSz="457200" rtl="0" eaLnBrk="1" latinLnBrk="0" hangingPunct="1">
       <a:defRPr sz="1800" kern="1200">
         <a:solidFill>
           <a:schemeClr val="tx1"/>
@@ -24,7 +32,7 @@
         <a:cs typeface="+mn-cs"/>
       </a:defRPr>
     </a:lvl1pPr>
-    <a:lvl2pPr marL="457200" algn="l" defTabSz="914400" rtl="0" eaLnBrk="1" latinLnBrk="0" hangingPunct="1">
+    <a:lvl2pPr marL="457200" algn="l" defTabSz="457200" rtl="0" eaLnBrk="1" latinLnBrk="0" hangingPunct="1">
       <a:defRPr sz="1800" kern="1200">
         <a:solidFill>
           <a:schemeClr val="tx1"/>
@@ -34,7 +42,7 @@
         <a:cs typeface="+mn-cs"/>
       </a:defRPr>
     </a:lvl2pPr>
-    <a:lvl3pPr marL="914400" algn="l" defTabSz="914400" rtl="0" eaLnBrk="1" latinLnBrk="0" hangingPunct="1">
+    <a:lvl3pPr marL="914400" algn="l" defTabSz="457200" rtl="0" eaLnBrk="1" latinLnBrk="0" hangingPunct="1">
       <a:defRPr sz="1800" kern="1200">
         <a:solidFill>
           <a:schemeClr val="tx1"/>
@@ -44,7 +52,7 @@
         <a:cs typeface="+mn-cs"/>
       </a:defRPr>
     </a:lvl3pPr>
-    <a:lvl4pPr marL="1371600" algn="l" defTabSz="914400" rtl="0" eaLnBrk="1" latinLnBrk="0" hangingPunct="1">
+    <a:lvl4pPr marL="1371600" algn="l" defTabSz="457200" rtl="0" eaLnBrk="1" latinLnBrk="0" hangingPunct="1">
       <a:defRPr sz="1800" kern="1200">
         <a:solidFill>
           <a:schemeClr val="tx1"/>
@@ -54,7 +62,7 @@
         <a:cs typeface="+mn-cs"/>
       </a:defRPr>
     </a:lvl4pPr>
-    <a:lvl5pPr marL="1828800" algn="l" defTabSz="914400" rtl="0" eaLnBrk="1" latinLnBrk="0" hangingPunct="1">
+    <a:lvl5pPr marL="1828800" algn="l" defTabSz="457200" rtl="0" eaLnBrk="1" latinLnBrk="0" hangingPunct="1">
       <a:defRPr sz="1800" kern="1200">
         <a:solidFill>
           <a:schemeClr val="tx1"/>
@@ -64,7 +72,7 @@
         <a:cs typeface="+mn-cs"/>
       </a:defRPr>
     </a:lvl5pPr>
-    <a:lvl6pPr marL="2286000" algn="l" defTabSz="914400" rtl="0" eaLnBrk="1" latinLnBrk="0" hangingPunct="1">
+    <a:lvl6pPr marL="2286000" algn="l" defTabSz="457200" rtl="0" eaLnBrk="1" latinLnBrk="0" hangingPunct="1">
       <a:defRPr sz="1800" kern="1200">
         <a:solidFill>
           <a:schemeClr val="tx1"/>
@@ -74,7 +82,7 @@
         <a:cs typeface="+mn-cs"/>
       </a:defRPr>
     </a:lvl6pPr>
-    <a:lvl7pPr marL="2743200" algn="l" defTabSz="914400" rtl="0" eaLnBrk="1" latinLnBrk="0" hangingPunct="1">
+    <a:lvl7pPr marL="2743200" algn="l" defTabSz="457200" rtl="0" eaLnBrk="1" latinLnBrk="0" hangingPunct="1">
       <a:defRPr sz="1800" kern="1200">
         <a:solidFill>
           <a:schemeClr val="tx1"/>
@@ -84,7 +92,7 @@
         <a:cs typeface="+mn-cs"/>
       </a:defRPr>
     </a:lvl7pPr>
-    <a:lvl8pPr marL="3200400" algn="l" defTabSz="914400" rtl="0" eaLnBrk="1" latinLnBrk="0" hangingPunct="1">
+    <a:lvl8pPr marL="3200400" algn="l" defTabSz="457200" rtl="0" eaLnBrk="1" latinLnBrk="0" hangingPunct="1">
       <a:defRPr sz="1800" kern="1200">
         <a:solidFill>
           <a:schemeClr val="tx1"/>
@@ -94,7 +102,7 @@
         <a:cs typeface="+mn-cs"/>
       </a:defRPr>
     </a:lvl8pPr>
-    <a:lvl9pPr marL="3657600" algn="l" defTabSz="914400" rtl="0" eaLnBrk="1" latinLnBrk="0" hangingPunct="1">
+    <a:lvl9pPr marL="3657600" algn="l" defTabSz="457200" rtl="0" eaLnBrk="1" latinLnBrk="0" hangingPunct="1">
       <a:defRPr sz="1800" kern="1200">
         <a:solidFill>
           <a:schemeClr val="tx1"/>
@@ -105,6 +113,11 @@
       </a:defRPr>
     </a:lvl9pPr>
   </p:defaultTextStyle>
+  <p:extLst>
+    <p:ext uri="{EFAFB233-063F-42B5-8137-9DF3F51BA10A}">
+      <p15:sldGuideLst xmlns:p15="http://schemas.microsoft.com/office/powerpoint/2012/main"/>
+    </p:ext>
+  </p:extLst>
 </p:presentation>
 </file>
 
@@ -127,13 +140,7 @@
       </p:grpSpPr>
       <p:sp>
         <p:nvSpPr>
-          <p:cNvPr id="2" name="Título 1">
-            <a:extLst>
-              <a:ext uri="{FF2B5EF4-FFF2-40B4-BE49-F238E27FC236}">
-                <a16:creationId xmlns:a16="http://schemas.microsoft.com/office/drawing/2014/main" id="{83FD0146-B122-4959-A774-927803B71E62}"/>
-              </a:ext>
-            </a:extLst>
-          </p:cNvPr>
+          <p:cNvPr id="2" name="Title 1"/>
           <p:cNvSpPr>
             <a:spLocks noGrp="1"/>
           </p:cNvSpPr>
@@ -159,18 +166,13 @@
               <a:rPr lang="pt-BR"/>
               <a:t>Clique para editar o título Mestre</a:t>
             </a:r>
-          </a:p>
-        </p:txBody>
-      </p:sp>
-      <p:sp>
-        <p:nvSpPr>
-          <p:cNvPr id="3" name="Subtítulo 2">
-            <a:extLst>
-              <a:ext uri="{FF2B5EF4-FFF2-40B4-BE49-F238E27FC236}">
-                <a16:creationId xmlns:a16="http://schemas.microsoft.com/office/drawing/2014/main" id="{2715BB13-043C-42AF-BB54-C54A0712D44B}"/>
-              </a:ext>
-            </a:extLst>
-          </p:cNvPr>
+            <a:endParaRPr lang="en-US" dirty="0"/>
+          </a:p>
+        </p:txBody>
+      </p:sp>
+      <p:sp>
+        <p:nvSpPr>
+          <p:cNvPr id="3" name="Subtitle 2"/>
           <p:cNvSpPr>
             <a:spLocks noGrp="1"/>
           </p:cNvSpPr>
@@ -229,18 +231,13 @@
               <a:rPr lang="pt-BR"/>
               <a:t>Clique para editar o estilo do subtítulo Mestre</a:t>
             </a:r>
-          </a:p>
-        </p:txBody>
-      </p:sp>
-      <p:sp>
-        <p:nvSpPr>
-          <p:cNvPr id="4" name="Espaço Reservado para Data 3">
-            <a:extLst>
-              <a:ext uri="{FF2B5EF4-FFF2-40B4-BE49-F238E27FC236}">
-                <a16:creationId xmlns:a16="http://schemas.microsoft.com/office/drawing/2014/main" id="{A26DDEAE-9B56-4AE4-B11F-541CF371FE4D}"/>
-              </a:ext>
-            </a:extLst>
-          </p:cNvPr>
+            <a:endParaRPr lang="en-US" dirty="0"/>
+          </a:p>
+        </p:txBody>
+      </p:sp>
+      <p:sp>
+        <p:nvSpPr>
+          <p:cNvPr id="4" name="Date Placeholder 3"/>
           <p:cNvSpPr>
             <a:spLocks noGrp="1"/>
           </p:cNvSpPr>
@@ -255,7 +252,7 @@
           <a:p>
             <a:fld id="{8715910C-61B7-46E4-BB54-3AE8189FA1F0}" type="datetimeFigureOut">
               <a:rPr lang="pt-BR" smtClean="0"/>
-              <a:t>05/06/2021</a:t>
+              <a:t>09/06/2021</a:t>
             </a:fld>
             <a:endParaRPr lang="pt-BR"/>
           </a:p>
@@ -263,13 +260,7 @@
       </p:sp>
       <p:sp>
         <p:nvSpPr>
-          <p:cNvPr id="5" name="Espaço Reservado para Rodapé 4">
-            <a:extLst>
-              <a:ext uri="{FF2B5EF4-FFF2-40B4-BE49-F238E27FC236}">
-                <a16:creationId xmlns:a16="http://schemas.microsoft.com/office/drawing/2014/main" id="{A6BDE13E-13CC-49BD-8E27-0B14A67F05A3}"/>
-              </a:ext>
-            </a:extLst>
-          </p:cNvPr>
+          <p:cNvPr id="5" name="Footer Placeholder 4"/>
           <p:cNvSpPr>
             <a:spLocks noGrp="1"/>
           </p:cNvSpPr>
@@ -288,13 +279,7 @@
       </p:sp>
       <p:sp>
         <p:nvSpPr>
-          <p:cNvPr id="6" name="Espaço Reservado para Número de Slide 5">
-            <a:extLst>
-              <a:ext uri="{FF2B5EF4-FFF2-40B4-BE49-F238E27FC236}">
-                <a16:creationId xmlns:a16="http://schemas.microsoft.com/office/drawing/2014/main" id="{6D82D981-A33A-449E-A00D-5058BAA82720}"/>
-              </a:ext>
-            </a:extLst>
-          </p:cNvPr>
+          <p:cNvPr id="6" name="Slide Number Placeholder 5"/>
           <p:cNvSpPr>
             <a:spLocks noGrp="1"/>
           </p:cNvSpPr>
@@ -318,7 +303,7 @@
     </p:spTree>
     <p:extLst>
       <p:ext uri="{BB962C8B-B14F-4D97-AF65-F5344CB8AC3E}">
-        <p14:creationId xmlns:p14="http://schemas.microsoft.com/office/powerpoint/2010/main" val="2278106728"/>
+        <p14:creationId xmlns:p14="http://schemas.microsoft.com/office/powerpoint/2010/main" val="1828657858"/>
       </p:ext>
     </p:extLst>
   </p:cSld>
@@ -347,13 +332,7 @@
       </p:grpSpPr>
       <p:sp>
         <p:nvSpPr>
-          <p:cNvPr id="2" name="Título 1">
-            <a:extLst>
-              <a:ext uri="{FF2B5EF4-FFF2-40B4-BE49-F238E27FC236}">
-                <a16:creationId xmlns:a16="http://schemas.microsoft.com/office/drawing/2014/main" id="{943E63C1-125B-488F-8610-163EA7F975A5}"/>
-              </a:ext>
-            </a:extLst>
-          </p:cNvPr>
+          <p:cNvPr id="2" name="Title 1"/>
           <p:cNvSpPr>
             <a:spLocks noGrp="1"/>
           </p:cNvSpPr>
@@ -370,18 +349,13 @@
               <a:rPr lang="pt-BR"/>
               <a:t>Clique para editar o título Mestre</a:t>
             </a:r>
-          </a:p>
-        </p:txBody>
-      </p:sp>
-      <p:sp>
-        <p:nvSpPr>
-          <p:cNvPr id="3" name="Espaço Reservado para Texto Vertical 2">
-            <a:extLst>
-              <a:ext uri="{FF2B5EF4-FFF2-40B4-BE49-F238E27FC236}">
-                <a16:creationId xmlns:a16="http://schemas.microsoft.com/office/drawing/2014/main" id="{A39B8CC1-FD82-4D13-9D4E-9317ABD6F31E}"/>
-              </a:ext>
-            </a:extLst>
-          </p:cNvPr>
+            <a:endParaRPr lang="en-US" dirty="0"/>
+          </a:p>
+        </p:txBody>
+      </p:sp>
+      <p:sp>
+        <p:nvSpPr>
+          <p:cNvPr id="3" name="Vertical Text Placeholder 2"/>
           <p:cNvSpPr>
             <a:spLocks noGrp="1"/>
           </p:cNvSpPr>
@@ -427,18 +401,13 @@
               <a:rPr lang="pt-BR"/>
               <a:t>Quinto nível</a:t>
             </a:r>
-          </a:p>
-        </p:txBody>
-      </p:sp>
-      <p:sp>
-        <p:nvSpPr>
-          <p:cNvPr id="4" name="Espaço Reservado para Data 3">
-            <a:extLst>
-              <a:ext uri="{FF2B5EF4-FFF2-40B4-BE49-F238E27FC236}">
-                <a16:creationId xmlns:a16="http://schemas.microsoft.com/office/drawing/2014/main" id="{EB4B805C-C8F5-4A81-BAE5-55E8F9094DB2}"/>
-              </a:ext>
-            </a:extLst>
-          </p:cNvPr>
+            <a:endParaRPr lang="en-US" dirty="0"/>
+          </a:p>
+        </p:txBody>
+      </p:sp>
+      <p:sp>
+        <p:nvSpPr>
+          <p:cNvPr id="4" name="Date Placeholder 3"/>
           <p:cNvSpPr>
             <a:spLocks noGrp="1"/>
           </p:cNvSpPr>
@@ -453,7 +422,7 @@
           <a:p>
             <a:fld id="{8715910C-61B7-46E4-BB54-3AE8189FA1F0}" type="datetimeFigureOut">
               <a:rPr lang="pt-BR" smtClean="0"/>
-              <a:t>05/06/2021</a:t>
+              <a:t>09/06/2021</a:t>
             </a:fld>
             <a:endParaRPr lang="pt-BR"/>
           </a:p>
@@ -461,13 +430,7 @@
       </p:sp>
       <p:sp>
         <p:nvSpPr>
-          <p:cNvPr id="5" name="Espaço Reservado para Rodapé 4">
-            <a:extLst>
-              <a:ext uri="{FF2B5EF4-FFF2-40B4-BE49-F238E27FC236}">
-                <a16:creationId xmlns:a16="http://schemas.microsoft.com/office/drawing/2014/main" id="{5446C9D9-7360-4928-888A-74D01EDF066B}"/>
-              </a:ext>
-            </a:extLst>
-          </p:cNvPr>
+          <p:cNvPr id="5" name="Footer Placeholder 4"/>
           <p:cNvSpPr>
             <a:spLocks noGrp="1"/>
           </p:cNvSpPr>
@@ -486,13 +449,7 @@
       </p:sp>
       <p:sp>
         <p:nvSpPr>
-          <p:cNvPr id="6" name="Espaço Reservado para Número de Slide 5">
-            <a:extLst>
-              <a:ext uri="{FF2B5EF4-FFF2-40B4-BE49-F238E27FC236}">
-                <a16:creationId xmlns:a16="http://schemas.microsoft.com/office/drawing/2014/main" id="{E22EC5E2-3F8A-465F-8E6B-6F49EBAA24A0}"/>
-              </a:ext>
-            </a:extLst>
-          </p:cNvPr>
+          <p:cNvPr id="6" name="Slide Number Placeholder 5"/>
           <p:cNvSpPr>
             <a:spLocks noGrp="1"/>
           </p:cNvSpPr>
@@ -516,7 +473,7 @@
     </p:spTree>
     <p:extLst>
       <p:ext uri="{BB962C8B-B14F-4D97-AF65-F5344CB8AC3E}">
-        <p14:creationId xmlns:p14="http://schemas.microsoft.com/office/powerpoint/2010/main" val="2444950224"/>
+        <p14:creationId xmlns:p14="http://schemas.microsoft.com/office/powerpoint/2010/main" val="3467763360"/>
       </p:ext>
     </p:extLst>
   </p:cSld>
@@ -545,13 +502,7 @@
       </p:grpSpPr>
       <p:sp>
         <p:nvSpPr>
-          <p:cNvPr id="2" name="Título Vertical 1">
-            <a:extLst>
-              <a:ext uri="{FF2B5EF4-FFF2-40B4-BE49-F238E27FC236}">
-                <a16:creationId xmlns:a16="http://schemas.microsoft.com/office/drawing/2014/main" id="{6D836026-2819-47C9-B72D-7372EE833BF7}"/>
-              </a:ext>
-            </a:extLst>
-          </p:cNvPr>
+          <p:cNvPr id="2" name="Vertical Title 1"/>
           <p:cNvSpPr>
             <a:spLocks noGrp="1"/>
           </p:cNvSpPr>
@@ -573,18 +524,13 @@
               <a:rPr lang="pt-BR"/>
               <a:t>Clique para editar o título Mestre</a:t>
             </a:r>
-          </a:p>
-        </p:txBody>
-      </p:sp>
-      <p:sp>
-        <p:nvSpPr>
-          <p:cNvPr id="3" name="Espaço Reservado para Texto Vertical 2">
-            <a:extLst>
-              <a:ext uri="{FF2B5EF4-FFF2-40B4-BE49-F238E27FC236}">
-                <a16:creationId xmlns:a16="http://schemas.microsoft.com/office/drawing/2014/main" id="{2F9BC706-3122-4DB0-8BB0-C79EF8EC4136}"/>
-              </a:ext>
-            </a:extLst>
-          </p:cNvPr>
+            <a:endParaRPr lang="en-US" dirty="0"/>
+          </a:p>
+        </p:txBody>
+      </p:sp>
+      <p:sp>
+        <p:nvSpPr>
+          <p:cNvPr id="3" name="Vertical Text Placeholder 2"/>
           <p:cNvSpPr>
             <a:spLocks noGrp="1"/>
           </p:cNvSpPr>
@@ -635,18 +581,13 @@
               <a:rPr lang="pt-BR"/>
               <a:t>Quinto nível</a:t>
             </a:r>
-          </a:p>
-        </p:txBody>
-      </p:sp>
-      <p:sp>
-        <p:nvSpPr>
-          <p:cNvPr id="4" name="Espaço Reservado para Data 3">
-            <a:extLst>
-              <a:ext uri="{FF2B5EF4-FFF2-40B4-BE49-F238E27FC236}">
-                <a16:creationId xmlns:a16="http://schemas.microsoft.com/office/drawing/2014/main" id="{9742BFB0-9151-421E-A857-A5EB1BE8E9D0}"/>
-              </a:ext>
-            </a:extLst>
-          </p:cNvPr>
+            <a:endParaRPr lang="en-US" dirty="0"/>
+          </a:p>
+        </p:txBody>
+      </p:sp>
+      <p:sp>
+        <p:nvSpPr>
+          <p:cNvPr id="4" name="Date Placeholder 3"/>
           <p:cNvSpPr>
             <a:spLocks noGrp="1"/>
           </p:cNvSpPr>
@@ -661,7 +602,7 @@
           <a:p>
             <a:fld id="{8715910C-61B7-46E4-BB54-3AE8189FA1F0}" type="datetimeFigureOut">
               <a:rPr lang="pt-BR" smtClean="0"/>
-              <a:t>05/06/2021</a:t>
+              <a:t>09/06/2021</a:t>
             </a:fld>
             <a:endParaRPr lang="pt-BR"/>
           </a:p>
@@ -669,13 +610,7 @@
       </p:sp>
       <p:sp>
         <p:nvSpPr>
-          <p:cNvPr id="5" name="Espaço Reservado para Rodapé 4">
-            <a:extLst>
-              <a:ext uri="{FF2B5EF4-FFF2-40B4-BE49-F238E27FC236}">
-                <a16:creationId xmlns:a16="http://schemas.microsoft.com/office/drawing/2014/main" id="{1284E63B-632B-484D-8AD1-626D1F6C3BA1}"/>
-              </a:ext>
-            </a:extLst>
-          </p:cNvPr>
+          <p:cNvPr id="5" name="Footer Placeholder 4"/>
           <p:cNvSpPr>
             <a:spLocks noGrp="1"/>
           </p:cNvSpPr>
@@ -694,13 +629,7 @@
       </p:sp>
       <p:sp>
         <p:nvSpPr>
-          <p:cNvPr id="6" name="Espaço Reservado para Número de Slide 5">
-            <a:extLst>
-              <a:ext uri="{FF2B5EF4-FFF2-40B4-BE49-F238E27FC236}">
-                <a16:creationId xmlns:a16="http://schemas.microsoft.com/office/drawing/2014/main" id="{927A5E1E-9233-4B1A-B413-520575DC7DE8}"/>
-              </a:ext>
-            </a:extLst>
-          </p:cNvPr>
+          <p:cNvPr id="6" name="Slide Number Placeholder 5"/>
           <p:cNvSpPr>
             <a:spLocks noGrp="1"/>
           </p:cNvSpPr>
@@ -724,7 +653,7 @@
     </p:spTree>
     <p:extLst>
       <p:ext uri="{BB962C8B-B14F-4D97-AF65-F5344CB8AC3E}">
-        <p14:creationId xmlns:p14="http://schemas.microsoft.com/office/powerpoint/2010/main" val="2794323265"/>
+        <p14:creationId xmlns:p14="http://schemas.microsoft.com/office/powerpoint/2010/main" val="4010418013"/>
       </p:ext>
     </p:extLst>
   </p:cSld>
@@ -753,13 +682,7 @@
       </p:grpSpPr>
       <p:sp>
         <p:nvSpPr>
-          <p:cNvPr id="2" name="Título 1">
-            <a:extLst>
-              <a:ext uri="{FF2B5EF4-FFF2-40B4-BE49-F238E27FC236}">
-                <a16:creationId xmlns:a16="http://schemas.microsoft.com/office/drawing/2014/main" id="{1B8A554A-6DA0-4DCE-A8F3-DBE7E5204D5B}"/>
-              </a:ext>
-            </a:extLst>
-          </p:cNvPr>
+          <p:cNvPr id="2" name="Title 1"/>
           <p:cNvSpPr>
             <a:spLocks noGrp="1"/>
           </p:cNvSpPr>
@@ -776,18 +699,13 @@
               <a:rPr lang="pt-BR"/>
               <a:t>Clique para editar o título Mestre</a:t>
             </a:r>
-          </a:p>
-        </p:txBody>
-      </p:sp>
-      <p:sp>
-        <p:nvSpPr>
-          <p:cNvPr id="3" name="Espaço Reservado para Conteúdo 2">
-            <a:extLst>
-              <a:ext uri="{FF2B5EF4-FFF2-40B4-BE49-F238E27FC236}">
-                <a16:creationId xmlns:a16="http://schemas.microsoft.com/office/drawing/2014/main" id="{159B59B2-DA77-4DCD-AF2C-1774A4C0D280}"/>
-              </a:ext>
-            </a:extLst>
-          </p:cNvPr>
+            <a:endParaRPr lang="en-US" dirty="0"/>
+          </a:p>
+        </p:txBody>
+      </p:sp>
+      <p:sp>
+        <p:nvSpPr>
+          <p:cNvPr id="3" name="Content Placeholder 2"/>
           <p:cNvSpPr>
             <a:spLocks noGrp="1"/>
           </p:cNvSpPr>
@@ -833,18 +751,13 @@
               <a:rPr lang="pt-BR"/>
               <a:t>Quinto nível</a:t>
             </a:r>
-          </a:p>
-        </p:txBody>
-      </p:sp>
-      <p:sp>
-        <p:nvSpPr>
-          <p:cNvPr id="4" name="Espaço Reservado para Data 3">
-            <a:extLst>
-              <a:ext uri="{FF2B5EF4-FFF2-40B4-BE49-F238E27FC236}">
-                <a16:creationId xmlns:a16="http://schemas.microsoft.com/office/drawing/2014/main" id="{30E62490-F8AE-40F1-B5B3-A13752228A2B}"/>
-              </a:ext>
-            </a:extLst>
-          </p:cNvPr>
+            <a:endParaRPr lang="en-US" dirty="0"/>
+          </a:p>
+        </p:txBody>
+      </p:sp>
+      <p:sp>
+        <p:nvSpPr>
+          <p:cNvPr id="4" name="Date Placeholder 3"/>
           <p:cNvSpPr>
             <a:spLocks noGrp="1"/>
           </p:cNvSpPr>
@@ -859,7 +772,7 @@
           <a:p>
             <a:fld id="{8715910C-61B7-46E4-BB54-3AE8189FA1F0}" type="datetimeFigureOut">
               <a:rPr lang="pt-BR" smtClean="0"/>
-              <a:t>05/06/2021</a:t>
+              <a:t>09/06/2021</a:t>
             </a:fld>
             <a:endParaRPr lang="pt-BR"/>
           </a:p>
@@ -867,13 +780,7 @@
       </p:sp>
       <p:sp>
         <p:nvSpPr>
-          <p:cNvPr id="5" name="Espaço Reservado para Rodapé 4">
-            <a:extLst>
-              <a:ext uri="{FF2B5EF4-FFF2-40B4-BE49-F238E27FC236}">
-                <a16:creationId xmlns:a16="http://schemas.microsoft.com/office/drawing/2014/main" id="{5C83C8CE-6A46-4731-851D-958A38F09C2F}"/>
-              </a:ext>
-            </a:extLst>
-          </p:cNvPr>
+          <p:cNvPr id="5" name="Footer Placeholder 4"/>
           <p:cNvSpPr>
             <a:spLocks noGrp="1"/>
           </p:cNvSpPr>
@@ -892,13 +799,7 @@
       </p:sp>
       <p:sp>
         <p:nvSpPr>
-          <p:cNvPr id="6" name="Espaço Reservado para Número de Slide 5">
-            <a:extLst>
-              <a:ext uri="{FF2B5EF4-FFF2-40B4-BE49-F238E27FC236}">
-                <a16:creationId xmlns:a16="http://schemas.microsoft.com/office/drawing/2014/main" id="{B3CE6826-EF50-45AE-A96D-AAB75A755FFD}"/>
-              </a:ext>
-            </a:extLst>
-          </p:cNvPr>
+          <p:cNvPr id="6" name="Slide Number Placeholder 5"/>
           <p:cNvSpPr>
             <a:spLocks noGrp="1"/>
           </p:cNvSpPr>
@@ -922,7 +823,7 @@
     </p:spTree>
     <p:extLst>
       <p:ext uri="{BB962C8B-B14F-4D97-AF65-F5344CB8AC3E}">
-        <p14:creationId xmlns:p14="http://schemas.microsoft.com/office/powerpoint/2010/main" val="2309266127"/>
+        <p14:creationId xmlns:p14="http://schemas.microsoft.com/office/powerpoint/2010/main" val="3495410976"/>
       </p:ext>
     </p:extLst>
   </p:cSld>
@@ -951,13 +852,7 @@
       </p:grpSpPr>
       <p:sp>
         <p:nvSpPr>
-          <p:cNvPr id="2" name="Título 1">
-            <a:extLst>
-              <a:ext uri="{FF2B5EF4-FFF2-40B4-BE49-F238E27FC236}">
-                <a16:creationId xmlns:a16="http://schemas.microsoft.com/office/drawing/2014/main" id="{99CDCF32-434E-4E8D-9E7C-5A18E1455F26}"/>
-              </a:ext>
-            </a:extLst>
-          </p:cNvPr>
+          <p:cNvPr id="2" name="Title 1"/>
           <p:cNvSpPr>
             <a:spLocks noGrp="1"/>
           </p:cNvSpPr>
@@ -983,18 +878,13 @@
               <a:rPr lang="pt-BR"/>
               <a:t>Clique para editar o título Mestre</a:t>
             </a:r>
-          </a:p>
-        </p:txBody>
-      </p:sp>
-      <p:sp>
-        <p:nvSpPr>
-          <p:cNvPr id="3" name="Espaço Reservado para Texto 2">
-            <a:extLst>
-              <a:ext uri="{FF2B5EF4-FFF2-40B4-BE49-F238E27FC236}">
-                <a16:creationId xmlns:a16="http://schemas.microsoft.com/office/drawing/2014/main" id="{F2333025-7ED9-4DDC-9013-5717883A20FA}"/>
-              </a:ext>
-            </a:extLst>
-          </p:cNvPr>
+            <a:endParaRPr lang="en-US" dirty="0"/>
+          </a:p>
+        </p:txBody>
+      </p:sp>
+      <p:sp>
+        <p:nvSpPr>
+          <p:cNvPr id="3" name="Text Placeholder 2"/>
           <p:cNvSpPr>
             <a:spLocks noGrp="1"/>
           </p:cNvSpPr>
@@ -1113,13 +1003,7 @@
       </p:sp>
       <p:sp>
         <p:nvSpPr>
-          <p:cNvPr id="4" name="Espaço Reservado para Data 3">
-            <a:extLst>
-              <a:ext uri="{FF2B5EF4-FFF2-40B4-BE49-F238E27FC236}">
-                <a16:creationId xmlns:a16="http://schemas.microsoft.com/office/drawing/2014/main" id="{5D4B4A50-F365-49FA-965E-C0C01F7E75CF}"/>
-              </a:ext>
-            </a:extLst>
-          </p:cNvPr>
+          <p:cNvPr id="4" name="Date Placeholder 3"/>
           <p:cNvSpPr>
             <a:spLocks noGrp="1"/>
           </p:cNvSpPr>
@@ -1134,7 +1018,7 @@
           <a:p>
             <a:fld id="{8715910C-61B7-46E4-BB54-3AE8189FA1F0}" type="datetimeFigureOut">
               <a:rPr lang="pt-BR" smtClean="0"/>
-              <a:t>05/06/2021</a:t>
+              <a:t>09/06/2021</a:t>
             </a:fld>
             <a:endParaRPr lang="pt-BR"/>
           </a:p>
@@ -1142,13 +1026,7 @@
       </p:sp>
       <p:sp>
         <p:nvSpPr>
-          <p:cNvPr id="5" name="Espaço Reservado para Rodapé 4">
-            <a:extLst>
-              <a:ext uri="{FF2B5EF4-FFF2-40B4-BE49-F238E27FC236}">
-                <a16:creationId xmlns:a16="http://schemas.microsoft.com/office/drawing/2014/main" id="{CF95B88E-E1E1-4CCD-8176-D7BC8CBB611A}"/>
-              </a:ext>
-            </a:extLst>
-          </p:cNvPr>
+          <p:cNvPr id="5" name="Footer Placeholder 4"/>
           <p:cNvSpPr>
             <a:spLocks noGrp="1"/>
           </p:cNvSpPr>
@@ -1167,13 +1045,7 @@
       </p:sp>
       <p:sp>
         <p:nvSpPr>
-          <p:cNvPr id="6" name="Espaço Reservado para Número de Slide 5">
-            <a:extLst>
-              <a:ext uri="{FF2B5EF4-FFF2-40B4-BE49-F238E27FC236}">
-                <a16:creationId xmlns:a16="http://schemas.microsoft.com/office/drawing/2014/main" id="{F4C39D23-84C2-4609-8E00-E4A66603EA29}"/>
-              </a:ext>
-            </a:extLst>
-          </p:cNvPr>
+          <p:cNvPr id="6" name="Slide Number Placeholder 5"/>
           <p:cNvSpPr>
             <a:spLocks noGrp="1"/>
           </p:cNvSpPr>
@@ -1197,7 +1069,7 @@
     </p:spTree>
     <p:extLst>
       <p:ext uri="{BB962C8B-B14F-4D97-AF65-F5344CB8AC3E}">
-        <p14:creationId xmlns:p14="http://schemas.microsoft.com/office/powerpoint/2010/main" val="2793693204"/>
+        <p14:creationId xmlns:p14="http://schemas.microsoft.com/office/powerpoint/2010/main" val="2264798067"/>
       </p:ext>
     </p:extLst>
   </p:cSld>
@@ -1226,13 +1098,7 @@
       </p:grpSpPr>
       <p:sp>
         <p:nvSpPr>
-          <p:cNvPr id="2" name="Título 1">
-            <a:extLst>
-              <a:ext uri="{FF2B5EF4-FFF2-40B4-BE49-F238E27FC236}">
-                <a16:creationId xmlns:a16="http://schemas.microsoft.com/office/drawing/2014/main" id="{FBA1389F-DE2C-4909-8783-BA77B39C088C}"/>
-              </a:ext>
-            </a:extLst>
-          </p:cNvPr>
+          <p:cNvPr id="2" name="Title 1"/>
           <p:cNvSpPr>
             <a:spLocks noGrp="1"/>
           </p:cNvSpPr>
@@ -1249,18 +1115,13 @@
               <a:rPr lang="pt-BR"/>
               <a:t>Clique para editar o título Mestre</a:t>
             </a:r>
-          </a:p>
-        </p:txBody>
-      </p:sp>
-      <p:sp>
-        <p:nvSpPr>
-          <p:cNvPr id="3" name="Espaço Reservado para Conteúdo 2">
-            <a:extLst>
-              <a:ext uri="{FF2B5EF4-FFF2-40B4-BE49-F238E27FC236}">
-                <a16:creationId xmlns:a16="http://schemas.microsoft.com/office/drawing/2014/main" id="{DA189284-E427-49BB-A6FA-96E194CE8CF7}"/>
-              </a:ext>
-            </a:extLst>
-          </p:cNvPr>
+            <a:endParaRPr lang="en-US" dirty="0"/>
+          </a:p>
+        </p:txBody>
+      </p:sp>
+      <p:sp>
+        <p:nvSpPr>
+          <p:cNvPr id="3" name="Content Placeholder 2"/>
           <p:cNvSpPr>
             <a:spLocks noGrp="1"/>
           </p:cNvSpPr>
@@ -1311,18 +1172,13 @@
               <a:rPr lang="pt-BR"/>
               <a:t>Quinto nível</a:t>
             </a:r>
-          </a:p>
-        </p:txBody>
-      </p:sp>
-      <p:sp>
-        <p:nvSpPr>
-          <p:cNvPr id="4" name="Espaço Reservado para Conteúdo 3">
-            <a:extLst>
-              <a:ext uri="{FF2B5EF4-FFF2-40B4-BE49-F238E27FC236}">
-                <a16:creationId xmlns:a16="http://schemas.microsoft.com/office/drawing/2014/main" id="{9CDBAA28-43D0-4AF7-A0E6-54FE0900016D}"/>
-              </a:ext>
-            </a:extLst>
-          </p:cNvPr>
+            <a:endParaRPr lang="en-US" dirty="0"/>
+          </a:p>
+        </p:txBody>
+      </p:sp>
+      <p:sp>
+        <p:nvSpPr>
+          <p:cNvPr id="4" name="Content Placeholder 3"/>
           <p:cNvSpPr>
             <a:spLocks noGrp="1"/>
           </p:cNvSpPr>
@@ -1373,18 +1229,13 @@
               <a:rPr lang="pt-BR"/>
               <a:t>Quinto nível</a:t>
             </a:r>
-          </a:p>
-        </p:txBody>
-      </p:sp>
-      <p:sp>
-        <p:nvSpPr>
-          <p:cNvPr id="5" name="Espaço Reservado para Data 4">
-            <a:extLst>
-              <a:ext uri="{FF2B5EF4-FFF2-40B4-BE49-F238E27FC236}">
-                <a16:creationId xmlns:a16="http://schemas.microsoft.com/office/drawing/2014/main" id="{876321DA-727D-4D4B-924A-D513BAEFE345}"/>
-              </a:ext>
-            </a:extLst>
-          </p:cNvPr>
+            <a:endParaRPr lang="en-US" dirty="0"/>
+          </a:p>
+        </p:txBody>
+      </p:sp>
+      <p:sp>
+        <p:nvSpPr>
+          <p:cNvPr id="5" name="Date Placeholder 4"/>
           <p:cNvSpPr>
             <a:spLocks noGrp="1"/>
           </p:cNvSpPr>
@@ -1399,7 +1250,7 @@
           <a:p>
             <a:fld id="{8715910C-61B7-46E4-BB54-3AE8189FA1F0}" type="datetimeFigureOut">
               <a:rPr lang="pt-BR" smtClean="0"/>
-              <a:t>05/06/2021</a:t>
+              <a:t>09/06/2021</a:t>
             </a:fld>
             <a:endParaRPr lang="pt-BR"/>
           </a:p>
@@ -1407,13 +1258,7 @@
       </p:sp>
       <p:sp>
         <p:nvSpPr>
-          <p:cNvPr id="6" name="Espaço Reservado para Rodapé 5">
-            <a:extLst>
-              <a:ext uri="{FF2B5EF4-FFF2-40B4-BE49-F238E27FC236}">
-                <a16:creationId xmlns:a16="http://schemas.microsoft.com/office/drawing/2014/main" id="{D98F214B-F918-4211-8EE2-2878A74AF7C2}"/>
-              </a:ext>
-            </a:extLst>
-          </p:cNvPr>
+          <p:cNvPr id="6" name="Footer Placeholder 5"/>
           <p:cNvSpPr>
             <a:spLocks noGrp="1"/>
           </p:cNvSpPr>
@@ -1432,13 +1277,7 @@
       </p:sp>
       <p:sp>
         <p:nvSpPr>
-          <p:cNvPr id="7" name="Espaço Reservado para Número de Slide 6">
-            <a:extLst>
-              <a:ext uri="{FF2B5EF4-FFF2-40B4-BE49-F238E27FC236}">
-                <a16:creationId xmlns:a16="http://schemas.microsoft.com/office/drawing/2014/main" id="{EB25C05F-01AE-436C-B9B8-C58B455EA0BD}"/>
-              </a:ext>
-            </a:extLst>
-          </p:cNvPr>
+          <p:cNvPr id="7" name="Slide Number Placeholder 6"/>
           <p:cNvSpPr>
             <a:spLocks noGrp="1"/>
           </p:cNvSpPr>
@@ -1462,7 +1301,7 @@
     </p:spTree>
     <p:extLst>
       <p:ext uri="{BB962C8B-B14F-4D97-AF65-F5344CB8AC3E}">
-        <p14:creationId xmlns:p14="http://schemas.microsoft.com/office/powerpoint/2010/main" val="3510166200"/>
+        <p14:creationId xmlns:p14="http://schemas.microsoft.com/office/powerpoint/2010/main" val="3271850027"/>
       </p:ext>
     </p:extLst>
   </p:cSld>
@@ -1491,13 +1330,7 @@
       </p:grpSpPr>
       <p:sp>
         <p:nvSpPr>
-          <p:cNvPr id="2" name="Título 1">
-            <a:extLst>
-              <a:ext uri="{FF2B5EF4-FFF2-40B4-BE49-F238E27FC236}">
-                <a16:creationId xmlns:a16="http://schemas.microsoft.com/office/drawing/2014/main" id="{9CBAC6F4-93CC-4626-8261-CB4CA1C9A533}"/>
-              </a:ext>
-            </a:extLst>
-          </p:cNvPr>
+          <p:cNvPr id="2" name="Title 1"/>
           <p:cNvSpPr>
             <a:spLocks noGrp="1"/>
           </p:cNvSpPr>
@@ -1519,18 +1352,13 @@
               <a:rPr lang="pt-BR"/>
               <a:t>Clique para editar o título Mestre</a:t>
             </a:r>
-          </a:p>
-        </p:txBody>
-      </p:sp>
-      <p:sp>
-        <p:nvSpPr>
-          <p:cNvPr id="3" name="Espaço Reservado para Texto 2">
-            <a:extLst>
-              <a:ext uri="{FF2B5EF4-FFF2-40B4-BE49-F238E27FC236}">
-                <a16:creationId xmlns:a16="http://schemas.microsoft.com/office/drawing/2014/main" id="{94548A4E-C878-4997-95AF-C2B82525A71F}"/>
-              </a:ext>
-            </a:extLst>
-          </p:cNvPr>
+            <a:endParaRPr lang="en-US" dirty="0"/>
+          </a:p>
+        </p:txBody>
+      </p:sp>
+      <p:sp>
+        <p:nvSpPr>
+          <p:cNvPr id="3" name="Text Placeholder 2"/>
           <p:cNvSpPr>
             <a:spLocks noGrp="1"/>
           </p:cNvSpPr>
@@ -1595,13 +1423,7 @@
       </p:sp>
       <p:sp>
         <p:nvSpPr>
-          <p:cNvPr id="4" name="Espaço Reservado para Conteúdo 3">
-            <a:extLst>
-              <a:ext uri="{FF2B5EF4-FFF2-40B4-BE49-F238E27FC236}">
-                <a16:creationId xmlns:a16="http://schemas.microsoft.com/office/drawing/2014/main" id="{63347FB5-9DEE-4FF7-A6A8-871BA71889B2}"/>
-              </a:ext>
-            </a:extLst>
-          </p:cNvPr>
+          <p:cNvPr id="4" name="Content Placeholder 3"/>
           <p:cNvSpPr>
             <a:spLocks noGrp="1"/>
           </p:cNvSpPr>
@@ -1652,18 +1474,13 @@
               <a:rPr lang="pt-BR"/>
               <a:t>Quinto nível</a:t>
             </a:r>
-          </a:p>
-        </p:txBody>
-      </p:sp>
-      <p:sp>
-        <p:nvSpPr>
-          <p:cNvPr id="5" name="Espaço Reservado para Texto 4">
-            <a:extLst>
-              <a:ext uri="{FF2B5EF4-FFF2-40B4-BE49-F238E27FC236}">
-                <a16:creationId xmlns:a16="http://schemas.microsoft.com/office/drawing/2014/main" id="{9962C43B-A699-47D7-8A84-31611204FA31}"/>
-              </a:ext>
-            </a:extLst>
-          </p:cNvPr>
+            <a:endParaRPr lang="en-US" dirty="0"/>
+          </a:p>
+        </p:txBody>
+      </p:sp>
+      <p:sp>
+        <p:nvSpPr>
+          <p:cNvPr id="5" name="Text Placeholder 4"/>
           <p:cNvSpPr>
             <a:spLocks noGrp="1"/>
           </p:cNvSpPr>
@@ -1728,13 +1545,7 @@
       </p:sp>
       <p:sp>
         <p:nvSpPr>
-          <p:cNvPr id="6" name="Espaço Reservado para Conteúdo 5">
-            <a:extLst>
-              <a:ext uri="{FF2B5EF4-FFF2-40B4-BE49-F238E27FC236}">
-                <a16:creationId xmlns:a16="http://schemas.microsoft.com/office/drawing/2014/main" id="{85B41E32-C298-415A-9CE8-BF16B9F259FF}"/>
-              </a:ext>
-            </a:extLst>
-          </p:cNvPr>
+          <p:cNvPr id="6" name="Content Placeholder 5"/>
           <p:cNvSpPr>
             <a:spLocks noGrp="1"/>
           </p:cNvSpPr>
@@ -1785,18 +1596,13 @@
               <a:rPr lang="pt-BR"/>
               <a:t>Quinto nível</a:t>
             </a:r>
-          </a:p>
-        </p:txBody>
-      </p:sp>
-      <p:sp>
-        <p:nvSpPr>
-          <p:cNvPr id="7" name="Espaço Reservado para Data 6">
-            <a:extLst>
-              <a:ext uri="{FF2B5EF4-FFF2-40B4-BE49-F238E27FC236}">
-                <a16:creationId xmlns:a16="http://schemas.microsoft.com/office/drawing/2014/main" id="{C6D14D96-14A5-44A7-9DCC-ABFF570F0742}"/>
-              </a:ext>
-            </a:extLst>
-          </p:cNvPr>
+            <a:endParaRPr lang="en-US" dirty="0"/>
+          </a:p>
+        </p:txBody>
+      </p:sp>
+      <p:sp>
+        <p:nvSpPr>
+          <p:cNvPr id="7" name="Date Placeholder 6"/>
           <p:cNvSpPr>
             <a:spLocks noGrp="1"/>
           </p:cNvSpPr>
@@ -1811,7 +1617,7 @@
           <a:p>
             <a:fld id="{8715910C-61B7-46E4-BB54-3AE8189FA1F0}" type="datetimeFigureOut">
               <a:rPr lang="pt-BR" smtClean="0"/>
-              <a:t>05/06/2021</a:t>
+              <a:t>09/06/2021</a:t>
             </a:fld>
             <a:endParaRPr lang="pt-BR"/>
           </a:p>
@@ -1819,13 +1625,7 @@
       </p:sp>
       <p:sp>
         <p:nvSpPr>
-          <p:cNvPr id="8" name="Espaço Reservado para Rodapé 7">
-            <a:extLst>
-              <a:ext uri="{FF2B5EF4-FFF2-40B4-BE49-F238E27FC236}">
-                <a16:creationId xmlns:a16="http://schemas.microsoft.com/office/drawing/2014/main" id="{C3B3A257-D8E9-4125-BC64-384A5B59E40D}"/>
-              </a:ext>
-            </a:extLst>
-          </p:cNvPr>
+          <p:cNvPr id="8" name="Footer Placeholder 7"/>
           <p:cNvSpPr>
             <a:spLocks noGrp="1"/>
           </p:cNvSpPr>
@@ -1844,13 +1644,7 @@
       </p:sp>
       <p:sp>
         <p:nvSpPr>
-          <p:cNvPr id="9" name="Espaço Reservado para Número de Slide 8">
-            <a:extLst>
-              <a:ext uri="{FF2B5EF4-FFF2-40B4-BE49-F238E27FC236}">
-                <a16:creationId xmlns:a16="http://schemas.microsoft.com/office/drawing/2014/main" id="{050DE251-4916-4CE7-A26A-514F7E13F4AE}"/>
-              </a:ext>
-            </a:extLst>
-          </p:cNvPr>
+          <p:cNvPr id="9" name="Slide Number Placeholder 8"/>
           <p:cNvSpPr>
             <a:spLocks noGrp="1"/>
           </p:cNvSpPr>
@@ -1874,7 +1668,7 @@
     </p:spTree>
     <p:extLst>
       <p:ext uri="{BB962C8B-B14F-4D97-AF65-F5344CB8AC3E}">
-        <p14:creationId xmlns:p14="http://schemas.microsoft.com/office/powerpoint/2010/main" val="610431646"/>
+        <p14:creationId xmlns:p14="http://schemas.microsoft.com/office/powerpoint/2010/main" val="4080462484"/>
       </p:ext>
     </p:extLst>
   </p:cSld>
@@ -1903,13 +1697,7 @@
       </p:grpSpPr>
       <p:sp>
         <p:nvSpPr>
-          <p:cNvPr id="2" name="Título 1">
-            <a:extLst>
-              <a:ext uri="{FF2B5EF4-FFF2-40B4-BE49-F238E27FC236}">
-                <a16:creationId xmlns:a16="http://schemas.microsoft.com/office/drawing/2014/main" id="{479DB9F5-A1A4-45B7-BF48-CCC08CDDC955}"/>
-              </a:ext>
-            </a:extLst>
-          </p:cNvPr>
+          <p:cNvPr id="2" name="Title 1"/>
           <p:cNvSpPr>
             <a:spLocks noGrp="1"/>
           </p:cNvSpPr>
@@ -1926,18 +1714,13 @@
               <a:rPr lang="pt-BR"/>
               <a:t>Clique para editar o título Mestre</a:t>
             </a:r>
-          </a:p>
-        </p:txBody>
-      </p:sp>
-      <p:sp>
-        <p:nvSpPr>
-          <p:cNvPr id="3" name="Espaço Reservado para Data 2">
-            <a:extLst>
-              <a:ext uri="{FF2B5EF4-FFF2-40B4-BE49-F238E27FC236}">
-                <a16:creationId xmlns:a16="http://schemas.microsoft.com/office/drawing/2014/main" id="{B2AF2CE2-D710-43DF-A4C6-60B41F8D0EC9}"/>
-              </a:ext>
-            </a:extLst>
-          </p:cNvPr>
+            <a:endParaRPr lang="en-US" dirty="0"/>
+          </a:p>
+        </p:txBody>
+      </p:sp>
+      <p:sp>
+        <p:nvSpPr>
+          <p:cNvPr id="3" name="Date Placeholder 2"/>
           <p:cNvSpPr>
             <a:spLocks noGrp="1"/>
           </p:cNvSpPr>
@@ -1952,7 +1735,7 @@
           <a:p>
             <a:fld id="{8715910C-61B7-46E4-BB54-3AE8189FA1F0}" type="datetimeFigureOut">
               <a:rPr lang="pt-BR" smtClean="0"/>
-              <a:t>05/06/2021</a:t>
+              <a:t>09/06/2021</a:t>
             </a:fld>
             <a:endParaRPr lang="pt-BR"/>
           </a:p>
@@ -1960,13 +1743,7 @@
       </p:sp>
       <p:sp>
         <p:nvSpPr>
-          <p:cNvPr id="4" name="Espaço Reservado para Rodapé 3">
-            <a:extLst>
-              <a:ext uri="{FF2B5EF4-FFF2-40B4-BE49-F238E27FC236}">
-                <a16:creationId xmlns:a16="http://schemas.microsoft.com/office/drawing/2014/main" id="{3ED4D177-6189-4C1F-AE78-1CCADF2A69B9}"/>
-              </a:ext>
-            </a:extLst>
-          </p:cNvPr>
+          <p:cNvPr id="4" name="Footer Placeholder 3"/>
           <p:cNvSpPr>
             <a:spLocks noGrp="1"/>
           </p:cNvSpPr>
@@ -1985,13 +1762,7 @@
       </p:sp>
       <p:sp>
         <p:nvSpPr>
-          <p:cNvPr id="5" name="Espaço Reservado para Número de Slide 4">
-            <a:extLst>
-              <a:ext uri="{FF2B5EF4-FFF2-40B4-BE49-F238E27FC236}">
-                <a16:creationId xmlns:a16="http://schemas.microsoft.com/office/drawing/2014/main" id="{284CF70C-B5E5-4DC8-A1EC-0D3437C6B0D5}"/>
-              </a:ext>
-            </a:extLst>
-          </p:cNvPr>
+          <p:cNvPr id="5" name="Slide Number Placeholder 4"/>
           <p:cNvSpPr>
             <a:spLocks noGrp="1"/>
           </p:cNvSpPr>
@@ -2015,7 +1786,7 @@
     </p:spTree>
     <p:extLst>
       <p:ext uri="{BB962C8B-B14F-4D97-AF65-F5344CB8AC3E}">
-        <p14:creationId xmlns:p14="http://schemas.microsoft.com/office/powerpoint/2010/main" val="3213466841"/>
+        <p14:creationId xmlns:p14="http://schemas.microsoft.com/office/powerpoint/2010/main" val="1440304725"/>
       </p:ext>
     </p:extLst>
   </p:cSld>
@@ -2044,13 +1815,7 @@
       </p:grpSpPr>
       <p:sp>
         <p:nvSpPr>
-          <p:cNvPr id="2" name="Espaço Reservado para Data 1">
-            <a:extLst>
-              <a:ext uri="{FF2B5EF4-FFF2-40B4-BE49-F238E27FC236}">
-                <a16:creationId xmlns:a16="http://schemas.microsoft.com/office/drawing/2014/main" id="{0B2B9E16-20BC-4969-96A2-1B6627ACCD1E}"/>
-              </a:ext>
-            </a:extLst>
-          </p:cNvPr>
+          <p:cNvPr id="2" name="Date Placeholder 1"/>
           <p:cNvSpPr>
             <a:spLocks noGrp="1"/>
           </p:cNvSpPr>
@@ -2065,7 +1830,7 @@
           <a:p>
             <a:fld id="{8715910C-61B7-46E4-BB54-3AE8189FA1F0}" type="datetimeFigureOut">
               <a:rPr lang="pt-BR" smtClean="0"/>
-              <a:t>05/06/2021</a:t>
+              <a:t>09/06/2021</a:t>
             </a:fld>
             <a:endParaRPr lang="pt-BR"/>
           </a:p>
@@ -2073,13 +1838,7 @@
       </p:sp>
       <p:sp>
         <p:nvSpPr>
-          <p:cNvPr id="3" name="Espaço Reservado para Rodapé 2">
-            <a:extLst>
-              <a:ext uri="{FF2B5EF4-FFF2-40B4-BE49-F238E27FC236}">
-                <a16:creationId xmlns:a16="http://schemas.microsoft.com/office/drawing/2014/main" id="{A1C6CDC1-1B46-4847-A138-7CFE89649D3B}"/>
-              </a:ext>
-            </a:extLst>
-          </p:cNvPr>
+          <p:cNvPr id="3" name="Footer Placeholder 2"/>
           <p:cNvSpPr>
             <a:spLocks noGrp="1"/>
           </p:cNvSpPr>
@@ -2098,13 +1857,7 @@
       </p:sp>
       <p:sp>
         <p:nvSpPr>
-          <p:cNvPr id="4" name="Espaço Reservado para Número de Slide 3">
-            <a:extLst>
-              <a:ext uri="{FF2B5EF4-FFF2-40B4-BE49-F238E27FC236}">
-                <a16:creationId xmlns:a16="http://schemas.microsoft.com/office/drawing/2014/main" id="{155433C6-DFF8-49DC-86CF-C064BEC15EEF}"/>
-              </a:ext>
-            </a:extLst>
-          </p:cNvPr>
+          <p:cNvPr id="4" name="Slide Number Placeholder 3"/>
           <p:cNvSpPr>
             <a:spLocks noGrp="1"/>
           </p:cNvSpPr>
@@ -2128,7 +1881,7 @@
     </p:spTree>
     <p:extLst>
       <p:ext uri="{BB962C8B-B14F-4D97-AF65-F5344CB8AC3E}">
-        <p14:creationId xmlns:p14="http://schemas.microsoft.com/office/powerpoint/2010/main" val="2290235946"/>
+        <p14:creationId xmlns:p14="http://schemas.microsoft.com/office/powerpoint/2010/main" val="925488798"/>
       </p:ext>
     </p:extLst>
   </p:cSld>
@@ -2157,13 +1910,7 @@
       </p:grpSpPr>
       <p:sp>
         <p:nvSpPr>
-          <p:cNvPr id="2" name="Título 1">
-            <a:extLst>
-              <a:ext uri="{FF2B5EF4-FFF2-40B4-BE49-F238E27FC236}">
-                <a16:creationId xmlns:a16="http://schemas.microsoft.com/office/drawing/2014/main" id="{DD3D9308-7498-48B5-94CD-02C2BD96F201}"/>
-              </a:ext>
-            </a:extLst>
-          </p:cNvPr>
+          <p:cNvPr id="2" name="Title 1"/>
           <p:cNvSpPr>
             <a:spLocks noGrp="1"/>
           </p:cNvSpPr>
@@ -2189,18 +1936,13 @@
               <a:rPr lang="pt-BR"/>
               <a:t>Clique para editar o título Mestre</a:t>
             </a:r>
-          </a:p>
-        </p:txBody>
-      </p:sp>
-      <p:sp>
-        <p:nvSpPr>
-          <p:cNvPr id="3" name="Espaço Reservado para Conteúdo 2">
-            <a:extLst>
-              <a:ext uri="{FF2B5EF4-FFF2-40B4-BE49-F238E27FC236}">
-                <a16:creationId xmlns:a16="http://schemas.microsoft.com/office/drawing/2014/main" id="{DD9ABAD5-752C-47DA-9B25-D28FC60E99DD}"/>
-              </a:ext>
-            </a:extLst>
-          </p:cNvPr>
+            <a:endParaRPr lang="en-US" dirty="0"/>
+          </a:p>
+        </p:txBody>
+      </p:sp>
+      <p:sp>
+        <p:nvSpPr>
+          <p:cNvPr id="3" name="Content Placeholder 2"/>
           <p:cNvSpPr>
             <a:spLocks noGrp="1"/>
           </p:cNvSpPr>
@@ -2279,18 +2021,13 @@
               <a:rPr lang="pt-BR"/>
               <a:t>Quinto nível</a:t>
             </a:r>
-          </a:p>
-        </p:txBody>
-      </p:sp>
-      <p:sp>
-        <p:nvSpPr>
-          <p:cNvPr id="4" name="Espaço Reservado para Texto 3">
-            <a:extLst>
-              <a:ext uri="{FF2B5EF4-FFF2-40B4-BE49-F238E27FC236}">
-                <a16:creationId xmlns:a16="http://schemas.microsoft.com/office/drawing/2014/main" id="{AF3A9F45-7EDC-49D7-BAC6-62F6808C65AB}"/>
-              </a:ext>
-            </a:extLst>
-          </p:cNvPr>
+            <a:endParaRPr lang="en-US" dirty="0"/>
+          </a:p>
+        </p:txBody>
+      </p:sp>
+      <p:sp>
+        <p:nvSpPr>
+          <p:cNvPr id="4" name="Text Placeholder 3"/>
           <p:cNvSpPr>
             <a:spLocks noGrp="1"/>
           </p:cNvSpPr>
@@ -2355,13 +2092,7 @@
       </p:sp>
       <p:sp>
         <p:nvSpPr>
-          <p:cNvPr id="5" name="Espaço Reservado para Data 4">
-            <a:extLst>
-              <a:ext uri="{FF2B5EF4-FFF2-40B4-BE49-F238E27FC236}">
-                <a16:creationId xmlns:a16="http://schemas.microsoft.com/office/drawing/2014/main" id="{007041BC-2CB6-4FFA-97B9-BB466FDE1290}"/>
-              </a:ext>
-            </a:extLst>
-          </p:cNvPr>
+          <p:cNvPr id="5" name="Date Placeholder 4"/>
           <p:cNvSpPr>
             <a:spLocks noGrp="1"/>
           </p:cNvSpPr>
@@ -2376,7 +2107,7 @@
           <a:p>
             <a:fld id="{8715910C-61B7-46E4-BB54-3AE8189FA1F0}" type="datetimeFigureOut">
               <a:rPr lang="pt-BR" smtClean="0"/>
-              <a:t>05/06/2021</a:t>
+              <a:t>09/06/2021</a:t>
             </a:fld>
             <a:endParaRPr lang="pt-BR"/>
           </a:p>
@@ -2384,13 +2115,7 @@
       </p:sp>
       <p:sp>
         <p:nvSpPr>
-          <p:cNvPr id="6" name="Espaço Reservado para Rodapé 5">
-            <a:extLst>
-              <a:ext uri="{FF2B5EF4-FFF2-40B4-BE49-F238E27FC236}">
-                <a16:creationId xmlns:a16="http://schemas.microsoft.com/office/drawing/2014/main" id="{CD34E69A-D5CA-4241-94B1-1E7A3C4C67F6}"/>
-              </a:ext>
-            </a:extLst>
-          </p:cNvPr>
+          <p:cNvPr id="6" name="Footer Placeholder 5"/>
           <p:cNvSpPr>
             <a:spLocks noGrp="1"/>
           </p:cNvSpPr>
@@ -2409,13 +2134,7 @@
       </p:sp>
       <p:sp>
         <p:nvSpPr>
-          <p:cNvPr id="7" name="Espaço Reservado para Número de Slide 6">
-            <a:extLst>
-              <a:ext uri="{FF2B5EF4-FFF2-40B4-BE49-F238E27FC236}">
-                <a16:creationId xmlns:a16="http://schemas.microsoft.com/office/drawing/2014/main" id="{4DA4CEF6-79D2-42C7-B5BD-36BBA986BA1C}"/>
-              </a:ext>
-            </a:extLst>
-          </p:cNvPr>
+          <p:cNvPr id="7" name="Slide Number Placeholder 6"/>
           <p:cNvSpPr>
             <a:spLocks noGrp="1"/>
           </p:cNvSpPr>
@@ -2439,7 +2158,7 @@
     </p:spTree>
     <p:extLst>
       <p:ext uri="{BB962C8B-B14F-4D97-AF65-F5344CB8AC3E}">
-        <p14:creationId xmlns:p14="http://schemas.microsoft.com/office/powerpoint/2010/main" val="471246706"/>
+        <p14:creationId xmlns:p14="http://schemas.microsoft.com/office/powerpoint/2010/main" val="2898839715"/>
       </p:ext>
     </p:extLst>
   </p:cSld>
@@ -2468,13 +2187,7 @@
       </p:grpSpPr>
       <p:sp>
         <p:nvSpPr>
-          <p:cNvPr id="2" name="Título 1">
-            <a:extLst>
-              <a:ext uri="{FF2B5EF4-FFF2-40B4-BE49-F238E27FC236}">
-                <a16:creationId xmlns:a16="http://schemas.microsoft.com/office/drawing/2014/main" id="{201E397A-587A-4660-A715-309B726B435F}"/>
-              </a:ext>
-            </a:extLst>
-          </p:cNvPr>
+          <p:cNvPr id="2" name="Title 1"/>
           <p:cNvSpPr>
             <a:spLocks noGrp="1"/>
           </p:cNvSpPr>
@@ -2500,20 +2213,15 @@
               <a:rPr lang="pt-BR"/>
               <a:t>Clique para editar o título Mestre</a:t>
             </a:r>
-          </a:p>
-        </p:txBody>
-      </p:sp>
-      <p:sp>
-        <p:nvSpPr>
-          <p:cNvPr id="3" name="Espaço Reservado para Imagem 2">
-            <a:extLst>
-              <a:ext uri="{FF2B5EF4-FFF2-40B4-BE49-F238E27FC236}">
-                <a16:creationId xmlns:a16="http://schemas.microsoft.com/office/drawing/2014/main" id="{A42C4487-29DC-4F21-BAEF-0FB72FAFCED0}"/>
-              </a:ext>
-            </a:extLst>
-          </p:cNvPr>
-          <p:cNvSpPr>
-            <a:spLocks noGrp="1"/>
+            <a:endParaRPr lang="en-US" dirty="0"/>
+          </a:p>
+        </p:txBody>
+      </p:sp>
+      <p:sp>
+        <p:nvSpPr>
+          <p:cNvPr id="3" name="Picture Placeholder 2"/>
+          <p:cNvSpPr>
+            <a:spLocks noGrp="1" noChangeAspect="1"/>
           </p:cNvSpPr>
           <p:nvPr>
             <p:ph type="pic" idx="1"/>
@@ -2526,7 +2234,7 @@
           </a:xfrm>
         </p:spPr>
         <p:txBody>
-          <a:bodyPr/>
+          <a:bodyPr anchor="t"/>
           <a:lstStyle>
             <a:lvl1pPr marL="0" indent="0">
               <a:buNone/>
@@ -2566,19 +2274,17 @@
             </a:lvl9pPr>
           </a:lstStyle>
           <a:p>
-            <a:endParaRPr lang="pt-BR"/>
-          </a:p>
-        </p:txBody>
-      </p:sp>
-      <p:sp>
-        <p:nvSpPr>
-          <p:cNvPr id="4" name="Espaço Reservado para Texto 3">
-            <a:extLst>
-              <a:ext uri="{FF2B5EF4-FFF2-40B4-BE49-F238E27FC236}">
-                <a16:creationId xmlns:a16="http://schemas.microsoft.com/office/drawing/2014/main" id="{7D8E9293-1AF8-4CA8-99C5-D4864131A597}"/>
-              </a:ext>
-            </a:extLst>
-          </p:cNvPr>
+            <a:r>
+              <a:rPr lang="pt-BR"/>
+              <a:t>Clique no ícone para adicionar uma imagem</a:t>
+            </a:r>
+            <a:endParaRPr lang="en-US" dirty="0"/>
+          </a:p>
+        </p:txBody>
+      </p:sp>
+      <p:sp>
+        <p:nvSpPr>
+          <p:cNvPr id="4" name="Text Placeholder 3"/>
           <p:cNvSpPr>
             <a:spLocks noGrp="1"/>
           </p:cNvSpPr>
@@ -2643,13 +2349,7 @@
       </p:sp>
       <p:sp>
         <p:nvSpPr>
-          <p:cNvPr id="5" name="Espaço Reservado para Data 4">
-            <a:extLst>
-              <a:ext uri="{FF2B5EF4-FFF2-40B4-BE49-F238E27FC236}">
-                <a16:creationId xmlns:a16="http://schemas.microsoft.com/office/drawing/2014/main" id="{FE7024B2-71BC-40F6-9D30-A44A123FD9C8}"/>
-              </a:ext>
-            </a:extLst>
-          </p:cNvPr>
+          <p:cNvPr id="5" name="Date Placeholder 4"/>
           <p:cNvSpPr>
             <a:spLocks noGrp="1"/>
           </p:cNvSpPr>
@@ -2664,7 +2364,7 @@
           <a:p>
             <a:fld id="{8715910C-61B7-46E4-BB54-3AE8189FA1F0}" type="datetimeFigureOut">
               <a:rPr lang="pt-BR" smtClean="0"/>
-              <a:t>05/06/2021</a:t>
+              <a:t>09/06/2021</a:t>
             </a:fld>
             <a:endParaRPr lang="pt-BR"/>
           </a:p>
@@ -2672,13 +2372,7 @@
       </p:sp>
       <p:sp>
         <p:nvSpPr>
-          <p:cNvPr id="6" name="Espaço Reservado para Rodapé 5">
-            <a:extLst>
-              <a:ext uri="{FF2B5EF4-FFF2-40B4-BE49-F238E27FC236}">
-                <a16:creationId xmlns:a16="http://schemas.microsoft.com/office/drawing/2014/main" id="{3A49C12E-B9E2-4E1E-A947-4A5CB4464B27}"/>
-              </a:ext>
-            </a:extLst>
-          </p:cNvPr>
+          <p:cNvPr id="6" name="Footer Placeholder 5"/>
           <p:cNvSpPr>
             <a:spLocks noGrp="1"/>
           </p:cNvSpPr>
@@ -2697,13 +2391,7 @@
       </p:sp>
       <p:sp>
         <p:nvSpPr>
-          <p:cNvPr id="7" name="Espaço Reservado para Número de Slide 6">
-            <a:extLst>
-              <a:ext uri="{FF2B5EF4-FFF2-40B4-BE49-F238E27FC236}">
-                <a16:creationId xmlns:a16="http://schemas.microsoft.com/office/drawing/2014/main" id="{B3F77533-BC5B-488E-A15A-0DEDA41D64A2}"/>
-              </a:ext>
-            </a:extLst>
-          </p:cNvPr>
+          <p:cNvPr id="7" name="Slide Number Placeholder 6"/>
           <p:cNvSpPr>
             <a:spLocks noGrp="1"/>
           </p:cNvSpPr>
@@ -2727,7 +2415,7 @@
     </p:spTree>
     <p:extLst>
       <p:ext uri="{BB962C8B-B14F-4D97-AF65-F5344CB8AC3E}">
-        <p14:creationId xmlns:p14="http://schemas.microsoft.com/office/powerpoint/2010/main" val="2907970182"/>
+        <p14:creationId xmlns:p14="http://schemas.microsoft.com/office/powerpoint/2010/main" val="164820254"/>
       </p:ext>
     </p:extLst>
   </p:cSld>
@@ -2761,13 +2449,7 @@
       </p:grpSpPr>
       <p:sp>
         <p:nvSpPr>
-          <p:cNvPr id="2" name="Espaço Reservado para Título 1">
-            <a:extLst>
-              <a:ext uri="{FF2B5EF4-FFF2-40B4-BE49-F238E27FC236}">
-                <a16:creationId xmlns:a16="http://schemas.microsoft.com/office/drawing/2014/main" id="{2C05D941-69C3-4899-8B65-4AB7AE0E564F}"/>
-              </a:ext>
-            </a:extLst>
-          </p:cNvPr>
+          <p:cNvPr id="2" name="Title Placeholder 1"/>
           <p:cNvSpPr>
             <a:spLocks noGrp="1"/>
           </p:cNvSpPr>
@@ -2794,18 +2476,13 @@
               <a:rPr lang="pt-BR"/>
               <a:t>Clique para editar o título Mestre</a:t>
             </a:r>
-          </a:p>
-        </p:txBody>
-      </p:sp>
-      <p:sp>
-        <p:nvSpPr>
-          <p:cNvPr id="3" name="Espaço Reservado para Texto 2">
-            <a:extLst>
-              <a:ext uri="{FF2B5EF4-FFF2-40B4-BE49-F238E27FC236}">
-                <a16:creationId xmlns:a16="http://schemas.microsoft.com/office/drawing/2014/main" id="{2DFB3318-B049-4322-9E8A-162616BEE872}"/>
-              </a:ext>
-            </a:extLst>
-          </p:cNvPr>
+            <a:endParaRPr lang="en-US" dirty="0"/>
+          </a:p>
+        </p:txBody>
+      </p:sp>
+      <p:sp>
+        <p:nvSpPr>
+          <p:cNvPr id="3" name="Text Placeholder 2"/>
           <p:cNvSpPr>
             <a:spLocks noGrp="1"/>
           </p:cNvSpPr>
@@ -2861,18 +2538,13 @@
               <a:rPr lang="pt-BR"/>
               <a:t>Quinto nível</a:t>
             </a:r>
-          </a:p>
-        </p:txBody>
-      </p:sp>
-      <p:sp>
-        <p:nvSpPr>
-          <p:cNvPr id="4" name="Espaço Reservado para Data 3">
-            <a:extLst>
-              <a:ext uri="{FF2B5EF4-FFF2-40B4-BE49-F238E27FC236}">
-                <a16:creationId xmlns:a16="http://schemas.microsoft.com/office/drawing/2014/main" id="{A099CCBD-F629-4992-B939-3A638C6116A4}"/>
-              </a:ext>
-            </a:extLst>
-          </p:cNvPr>
+            <a:endParaRPr lang="en-US" dirty="0"/>
+          </a:p>
+        </p:txBody>
+      </p:sp>
+      <p:sp>
+        <p:nvSpPr>
+          <p:cNvPr id="4" name="Date Placeholder 3"/>
           <p:cNvSpPr>
             <a:spLocks noGrp="1"/>
           </p:cNvSpPr>
@@ -2905,7 +2577,7 @@
           <a:p>
             <a:fld id="{8715910C-61B7-46E4-BB54-3AE8189FA1F0}" type="datetimeFigureOut">
               <a:rPr lang="pt-BR" smtClean="0"/>
-              <a:t>05/06/2021</a:t>
+              <a:t>09/06/2021</a:t>
             </a:fld>
             <a:endParaRPr lang="pt-BR"/>
           </a:p>
@@ -2913,13 +2585,7 @@
       </p:sp>
       <p:sp>
         <p:nvSpPr>
-          <p:cNvPr id="5" name="Espaço Reservado para Rodapé 4">
-            <a:extLst>
-              <a:ext uri="{FF2B5EF4-FFF2-40B4-BE49-F238E27FC236}">
-                <a16:creationId xmlns:a16="http://schemas.microsoft.com/office/drawing/2014/main" id="{973D2C01-8E6E-4B16-92B2-EC9CD9F8E62C}"/>
-              </a:ext>
-            </a:extLst>
-          </p:cNvPr>
+          <p:cNvPr id="5" name="Footer Placeholder 4"/>
           <p:cNvSpPr>
             <a:spLocks noGrp="1"/>
           </p:cNvSpPr>
@@ -2956,13 +2622,7 @@
       </p:sp>
       <p:sp>
         <p:nvSpPr>
-          <p:cNvPr id="6" name="Espaço Reservado para Número de Slide 5">
-            <a:extLst>
-              <a:ext uri="{FF2B5EF4-FFF2-40B4-BE49-F238E27FC236}">
-                <a16:creationId xmlns:a16="http://schemas.microsoft.com/office/drawing/2014/main" id="{A7FA4A52-3F3A-4BF6-A4B9-40EF51EF9E1F}"/>
-              </a:ext>
-            </a:extLst>
-          </p:cNvPr>
+          <p:cNvPr id="6" name="Slide Number Placeholder 5"/>
           <p:cNvSpPr>
             <a:spLocks noGrp="1"/>
           </p:cNvSpPr>
@@ -3004,23 +2664,23 @@
     </p:spTree>
     <p:extLst>
       <p:ext uri="{BB962C8B-B14F-4D97-AF65-F5344CB8AC3E}">
-        <p14:creationId xmlns:p14="http://schemas.microsoft.com/office/powerpoint/2010/main" val="3393858273"/>
+        <p14:creationId xmlns:p14="http://schemas.microsoft.com/office/powerpoint/2010/main" val="2014316293"/>
       </p:ext>
     </p:extLst>
   </p:cSld>
   <p:clrMap bg1="lt1" tx1="dk1" bg2="lt2" tx2="dk2" accent1="accent1" accent2="accent2" accent3="accent3" accent4="accent4" accent5="accent5" accent6="accent6" hlink="hlink" folHlink="folHlink"/>
   <p:sldLayoutIdLst>
-    <p:sldLayoutId id="2147483649" r:id="rId1"/>
-    <p:sldLayoutId id="2147483650" r:id="rId2"/>
-    <p:sldLayoutId id="2147483651" r:id="rId3"/>
-    <p:sldLayoutId id="2147483652" r:id="rId4"/>
-    <p:sldLayoutId id="2147483653" r:id="rId5"/>
-    <p:sldLayoutId id="2147483654" r:id="rId6"/>
-    <p:sldLayoutId id="2147483655" r:id="rId7"/>
-    <p:sldLayoutId id="2147483656" r:id="rId8"/>
-    <p:sldLayoutId id="2147483657" r:id="rId9"/>
-    <p:sldLayoutId id="2147483658" r:id="rId10"/>
-    <p:sldLayoutId id="2147483659" r:id="rId11"/>
+    <p:sldLayoutId id="2147483673" r:id="rId1"/>
+    <p:sldLayoutId id="2147483674" r:id="rId2"/>
+    <p:sldLayoutId id="2147483675" r:id="rId3"/>
+    <p:sldLayoutId id="2147483676" r:id="rId4"/>
+    <p:sldLayoutId id="2147483677" r:id="rId5"/>
+    <p:sldLayoutId id="2147483678" r:id="rId6"/>
+    <p:sldLayoutId id="2147483679" r:id="rId7"/>
+    <p:sldLayoutId id="2147483680" r:id="rId8"/>
+    <p:sldLayoutId id="2147483681" r:id="rId9"/>
+    <p:sldLayoutId id="2147483682" r:id="rId10"/>
+    <p:sldLayoutId id="2147483683" r:id="rId11"/>
   </p:sldLayoutIdLst>
   <p:txStyles>
     <p:titleStyle>
@@ -3208,7 +2868,7 @@
     </p:bodyStyle>
     <p:otherStyle>
       <a:defPPr>
-        <a:defRPr lang="pt-BR"/>
+        <a:defRPr lang="en-US"/>
       </a:defPPr>
       <a:lvl1pPr marL="0" algn="l" defTabSz="914400" rtl="0" eaLnBrk="1" latinLnBrk="0" hangingPunct="1">
         <a:defRPr sz="1800" kern="1200">
@@ -3414,9 +3074,315 @@
 </p:sld>
 </file>
 
+<file path=ppt/slides/slide10.xml><?xml version="1.0" encoding="utf-8"?>
+<p:sld xmlns:a="http://schemas.openxmlformats.org/drawingml/2006/main" xmlns:r="http://schemas.openxmlformats.org/officeDocument/2006/relationships" xmlns:p="http://schemas.openxmlformats.org/presentationml/2006/main">
+  <p:cSld>
+    <p:bg>
+      <p:bgPr>
+        <a:solidFill>
+          <a:srgbClr val="D2DAE2"/>
+        </a:solidFill>
+        <a:effectLst/>
+      </p:bgPr>
+    </p:bg>
+    <p:spTree>
+      <p:nvGrpSpPr>
+        <p:cNvPr id="1" name=""/>
+        <p:cNvGrpSpPr/>
+        <p:nvPr/>
+      </p:nvGrpSpPr>
+      <p:grpSpPr>
+        <a:xfrm>
+          <a:off x="0" y="0"/>
+          <a:ext cx="0" cy="0"/>
+          <a:chOff x="0" y="0"/>
+          <a:chExt cx="0" cy="0"/>
+        </a:xfrm>
+      </p:grpSpPr>
+      <p:sp>
+        <p:nvSpPr>
+          <p:cNvPr id="2" name="CaixaDeTexto 1">
+            <a:extLst>
+              <a:ext uri="{FF2B5EF4-FFF2-40B4-BE49-F238E27FC236}">
+                <a16:creationId xmlns:a16="http://schemas.microsoft.com/office/drawing/2014/main" id="{DDF02A54-DFB2-43CB-872F-AF2DD1B6503E}"/>
+              </a:ext>
+            </a:extLst>
+          </p:cNvPr>
+          <p:cNvSpPr txBox="1"/>
+          <p:nvPr/>
+        </p:nvSpPr>
+        <p:spPr>
+          <a:xfrm>
+            <a:off x="1000539" y="2644170"/>
+            <a:ext cx="10190921" cy="1569660"/>
+          </a:xfrm>
+          <a:prstGeom prst="rect">
+            <a:avLst/>
+          </a:prstGeom>
+          <a:noFill/>
+        </p:spPr>
+        <p:txBody>
+          <a:bodyPr wrap="square" rtlCol="0">
+            <a:spAutoFit/>
+          </a:bodyPr>
+          <a:lstStyle/>
+          <a:p>
+            <a:r>
+              <a:rPr lang="pt-BR" sz="9600" dirty="0">
+                <a:latin typeface="Gloucester MT Extra Condensed" panose="02030808020601010101" pitchFamily="18" charset="0"/>
+              </a:rPr>
+              <a:t>OBRIGADO PELA ATENÇÃO!</a:t>
+            </a:r>
+          </a:p>
+        </p:txBody>
+      </p:sp>
+    </p:spTree>
+    <p:extLst>
+      <p:ext uri="{BB962C8B-B14F-4D97-AF65-F5344CB8AC3E}">
+        <p14:creationId xmlns:p14="http://schemas.microsoft.com/office/powerpoint/2010/main" val="209415647"/>
+      </p:ext>
+    </p:extLst>
+  </p:cSld>
+  <p:clrMapOvr>
+    <a:masterClrMapping/>
+  </p:clrMapOvr>
+</p:sld>
+</file>
+
 <file path=ppt/slides/slide2.xml><?xml version="1.0" encoding="utf-8"?>
 <p:sld xmlns:a="http://schemas.openxmlformats.org/drawingml/2006/main" xmlns:r="http://schemas.openxmlformats.org/officeDocument/2006/relationships" xmlns:p="http://schemas.openxmlformats.org/presentationml/2006/main">
   <p:cSld>
+    <p:bg>
+      <p:bgPr>
+        <a:solidFill>
+          <a:srgbClr val="D2DAE2"/>
+        </a:solidFill>
+        <a:effectLst/>
+      </p:bgPr>
+    </p:bg>
+    <p:spTree>
+      <p:nvGrpSpPr>
+        <p:cNvPr id="1" name=""/>
+        <p:cNvGrpSpPr/>
+        <p:nvPr/>
+      </p:nvGrpSpPr>
+      <p:grpSpPr>
+        <a:xfrm>
+          <a:off x="0" y="0"/>
+          <a:ext cx="0" cy="0"/>
+          <a:chOff x="0" y="0"/>
+          <a:chExt cx="0" cy="0"/>
+        </a:xfrm>
+      </p:grpSpPr>
+      <p:sp>
+        <p:nvSpPr>
+          <p:cNvPr id="4" name="Retângulo 3">
+            <a:extLst>
+              <a:ext uri="{FF2B5EF4-FFF2-40B4-BE49-F238E27FC236}">
+                <a16:creationId xmlns:a16="http://schemas.microsoft.com/office/drawing/2014/main" id="{05AE5A44-E2F0-42AE-9C55-1A544BBC0FB5}"/>
+              </a:ext>
+            </a:extLst>
+          </p:cNvPr>
+          <p:cNvSpPr/>
+          <p:nvPr/>
+        </p:nvSpPr>
+        <p:spPr>
+          <a:xfrm>
+            <a:off x="6546575" y="1600055"/>
+            <a:ext cx="5221356" cy="4111631"/>
+          </a:xfrm>
+          <a:prstGeom prst="rect">
+            <a:avLst/>
+          </a:prstGeom>
+          <a:noFill/>
+          <a:ln w="57150" cap="flat" cmpd="sng" algn="ctr">
+            <a:solidFill>
+              <a:schemeClr val="dk1"/>
+            </a:solidFill>
+            <a:prstDash val="solid"/>
+            <a:round/>
+            <a:headEnd type="none" w="med" len="med"/>
+            <a:tailEnd type="none" w="med" len="med"/>
+          </a:ln>
+        </p:spPr>
+        <p:style>
+          <a:lnRef idx="0">
+            <a:scrgbClr r="0" g="0" b="0"/>
+          </a:lnRef>
+          <a:fillRef idx="0">
+            <a:scrgbClr r="0" g="0" b="0"/>
+          </a:fillRef>
+          <a:effectRef idx="0">
+            <a:scrgbClr r="0" g="0" b="0"/>
+          </a:effectRef>
+          <a:fontRef idx="minor">
+            <a:schemeClr val="dk1"/>
+          </a:fontRef>
+        </p:style>
+        <p:txBody>
+          <a:bodyPr rtlCol="0" anchor="ctr"/>
+          <a:lstStyle/>
+          <a:p>
+            <a:pPr algn="ctr"/>
+            <a:endParaRPr lang="pt-BR"/>
+          </a:p>
+        </p:txBody>
+      </p:sp>
+      <p:sp>
+        <p:nvSpPr>
+          <p:cNvPr id="5" name="CaixaDeTexto 4">
+            <a:extLst>
+              <a:ext uri="{FF2B5EF4-FFF2-40B4-BE49-F238E27FC236}">
+                <a16:creationId xmlns:a16="http://schemas.microsoft.com/office/drawing/2014/main" id="{040D9AB0-E9F2-4262-90AE-0660A20CCE9A}"/>
+              </a:ext>
+            </a:extLst>
+          </p:cNvPr>
+          <p:cNvSpPr txBox="1"/>
+          <p:nvPr/>
+        </p:nvSpPr>
+        <p:spPr>
+          <a:xfrm>
+            <a:off x="9256645" y="538164"/>
+            <a:ext cx="2213112" cy="830997"/>
+          </a:xfrm>
+          <a:prstGeom prst="rect">
+            <a:avLst/>
+          </a:prstGeom>
+          <a:noFill/>
+        </p:spPr>
+        <p:txBody>
+          <a:bodyPr wrap="square" rtlCol="0">
+            <a:spAutoFit/>
+          </a:bodyPr>
+          <a:lstStyle/>
+          <a:p>
+            <a:r>
+              <a:rPr lang="pt-BR" sz="4800" dirty="0">
+                <a:latin typeface="Gloucester MT Extra Condensed" panose="02030808020601010101" pitchFamily="18" charset="0"/>
+              </a:rPr>
+              <a:t>CONTEXTO</a:t>
+            </a:r>
+            <a:r>
+              <a:rPr lang="pt-BR" dirty="0">
+                <a:solidFill>
+                  <a:schemeClr val="bg1"/>
+                </a:solidFill>
+              </a:rPr>
+              <a:t> </a:t>
+            </a:r>
+          </a:p>
+        </p:txBody>
+      </p:sp>
+      <p:sp>
+        <p:nvSpPr>
+          <p:cNvPr id="6" name="CaixaDeTexto 5">
+            <a:extLst>
+              <a:ext uri="{FF2B5EF4-FFF2-40B4-BE49-F238E27FC236}">
+                <a16:creationId xmlns:a16="http://schemas.microsoft.com/office/drawing/2014/main" id="{8EE55EAE-6EB2-4B35-987A-E4CBAE203CE1}"/>
+              </a:ext>
+            </a:extLst>
+          </p:cNvPr>
+          <p:cNvSpPr txBox="1"/>
+          <p:nvPr/>
+        </p:nvSpPr>
+        <p:spPr>
+          <a:xfrm>
+            <a:off x="6659218" y="2061842"/>
+            <a:ext cx="4996070" cy="3108543"/>
+          </a:xfrm>
+          <a:prstGeom prst="rect">
+            <a:avLst/>
+          </a:prstGeom>
+          <a:noFill/>
+        </p:spPr>
+        <p:txBody>
+          <a:bodyPr wrap="square" rtlCol="0">
+            <a:spAutoFit/>
+          </a:bodyPr>
+          <a:lstStyle/>
+          <a:p>
+            <a:pPr algn="ctr"/>
+            <a:r>
+              <a:rPr lang="pt-BR" sz="2800" dirty="0">
+                <a:latin typeface="Arial" panose="020B0604020202020204" pitchFamily="34" charset="0"/>
+                <a:cs typeface="Arial" panose="020B0604020202020204" pitchFamily="34" charset="0"/>
+              </a:rPr>
+              <a:t>Aplicação Web destinada a Skatistas iniciantes ou para pessoas que desejam iniciar a andar de skate. A ferramenta ajudará o Usuário a criar suas referências dentro do universo skatista</a:t>
+            </a:r>
+          </a:p>
+        </p:txBody>
+      </p:sp>
+      <p:pic>
+        <p:nvPicPr>
+          <p:cNvPr id="1026" name="Picture 2" descr="yellow Ledge skateboard near body of water">
+            <a:extLst>
+              <a:ext uri="{FF2B5EF4-FFF2-40B4-BE49-F238E27FC236}">
+                <a16:creationId xmlns:a16="http://schemas.microsoft.com/office/drawing/2014/main" id="{842D6EE0-6E27-446D-9FFA-ED1F47358ACE}"/>
+              </a:ext>
+            </a:extLst>
+          </p:cNvPr>
+          <p:cNvPicPr>
+            <a:picLocks noChangeAspect="1" noChangeArrowheads="1"/>
+          </p:cNvPicPr>
+          <p:nvPr/>
+        </p:nvPicPr>
+        <p:blipFill>
+          <a:blip r:embed="rId2">
+            <a:extLst>
+              <a:ext uri="{28A0092B-C50C-407E-A947-70E740481C1C}">
+                <a14:useLocalDpi xmlns:a14="http://schemas.microsoft.com/office/drawing/2010/main" val="0"/>
+              </a:ext>
+            </a:extLst>
+          </a:blip>
+          <a:srcRect/>
+          <a:stretch>
+            <a:fillRect/>
+          </a:stretch>
+        </p:blipFill>
+        <p:spPr bwMode="auto">
+          <a:xfrm>
+            <a:off x="-2" y="0"/>
+            <a:ext cx="4545498" cy="6858000"/>
+          </a:xfrm>
+          <a:prstGeom prst="rect">
+            <a:avLst/>
+          </a:prstGeom>
+          <a:noFill/>
+          <a:extLst>
+            <a:ext uri="{909E8E84-426E-40DD-AFC4-6F175D3DCCD1}">
+              <a14:hiddenFill xmlns:a14="http://schemas.microsoft.com/office/drawing/2010/main">
+                <a:solidFill>
+                  <a:srgbClr val="FFFFFF"/>
+                </a:solidFill>
+              </a14:hiddenFill>
+            </a:ext>
+          </a:extLst>
+        </p:spPr>
+      </p:pic>
+    </p:spTree>
+    <p:extLst>
+      <p:ext uri="{BB962C8B-B14F-4D97-AF65-F5344CB8AC3E}">
+        <p14:creationId xmlns:p14="http://schemas.microsoft.com/office/powerpoint/2010/main" val="3660337784"/>
+      </p:ext>
+    </p:extLst>
+  </p:cSld>
+  <p:clrMapOvr>
+    <a:masterClrMapping/>
+  </p:clrMapOvr>
+</p:sld>
+</file>
+
+<file path=ppt/slides/slide3.xml><?xml version="1.0" encoding="utf-8"?>
+<p:sld xmlns:a="http://schemas.openxmlformats.org/drawingml/2006/main" xmlns:r="http://schemas.openxmlformats.org/officeDocument/2006/relationships" xmlns:p="http://schemas.openxmlformats.org/presentationml/2006/main">
+  <p:cSld>
+    <p:bg>
+      <p:bgPr>
+        <a:solidFill>
+          <a:srgbClr val="D2DAE2"/>
+        </a:solidFill>
+        <a:effectLst/>
+      </p:bgPr>
+    </p:bg>
     <p:spTree>
       <p:nvGrpSpPr>
         <p:cNvPr id="1" name=""/>
@@ -3434,6 +3400,216 @@
     </p:spTree>
     <p:extLst>
       <p:ext uri="{BB962C8B-B14F-4D97-AF65-F5344CB8AC3E}">
+        <p14:creationId xmlns:p14="http://schemas.microsoft.com/office/powerpoint/2010/main" val="3826639390"/>
+      </p:ext>
+    </p:extLst>
+  </p:cSld>
+  <p:clrMapOvr>
+    <a:masterClrMapping/>
+  </p:clrMapOvr>
+</p:sld>
+</file>
+
+<file path=ppt/slides/slide4.xml><?xml version="1.0" encoding="utf-8"?>
+<p:sld xmlns:a="http://schemas.openxmlformats.org/drawingml/2006/main" xmlns:r="http://schemas.openxmlformats.org/officeDocument/2006/relationships" xmlns:p="http://schemas.openxmlformats.org/presentationml/2006/main">
+  <p:cSld>
+    <p:bg>
+      <p:bgPr>
+        <a:solidFill>
+          <a:srgbClr val="D2DAE2"/>
+        </a:solidFill>
+        <a:effectLst/>
+      </p:bgPr>
+    </p:bg>
+    <p:spTree>
+      <p:nvGrpSpPr>
+        <p:cNvPr id="1" name=""/>
+        <p:cNvGrpSpPr/>
+        <p:nvPr/>
+      </p:nvGrpSpPr>
+      <p:grpSpPr>
+        <a:xfrm>
+          <a:off x="0" y="0"/>
+          <a:ext cx="0" cy="0"/>
+          <a:chOff x="0" y="0"/>
+          <a:chExt cx="0" cy="0"/>
+        </a:xfrm>
+      </p:grpSpPr>
+      <p:pic>
+        <p:nvPicPr>
+          <p:cNvPr id="5" name="Imagem 4">
+            <a:extLst>
+              <a:ext uri="{FF2B5EF4-FFF2-40B4-BE49-F238E27FC236}">
+                <a16:creationId xmlns:a16="http://schemas.microsoft.com/office/drawing/2014/main" id="{680B876F-61C5-4572-A935-7534857D0358}"/>
+              </a:ext>
+            </a:extLst>
+          </p:cNvPr>
+          <p:cNvPicPr>
+            <a:picLocks noChangeAspect="1"/>
+          </p:cNvPicPr>
+          <p:nvPr/>
+        </p:nvPicPr>
+        <p:blipFill>
+          <a:blip r:embed="rId2"/>
+          <a:stretch>
+            <a:fillRect/>
+          </a:stretch>
+        </p:blipFill>
+        <p:spPr>
+          <a:xfrm>
+            <a:off x="616633" y="552156"/>
+            <a:ext cx="10958733" cy="5753687"/>
+          </a:xfrm>
+          <a:prstGeom prst="rect">
+            <a:avLst/>
+          </a:prstGeom>
+        </p:spPr>
+      </p:pic>
+    </p:spTree>
+    <p:extLst>
+      <p:ext uri="{BB962C8B-B14F-4D97-AF65-F5344CB8AC3E}">
+        <p14:creationId xmlns:p14="http://schemas.microsoft.com/office/powerpoint/2010/main" val="603332008"/>
+      </p:ext>
+    </p:extLst>
+  </p:cSld>
+  <p:clrMapOvr>
+    <a:masterClrMapping/>
+  </p:clrMapOvr>
+</p:sld>
+</file>
+
+<file path=ppt/slides/slide5.xml><?xml version="1.0" encoding="utf-8"?>
+<p:sld xmlns:a="http://schemas.openxmlformats.org/drawingml/2006/main" xmlns:r="http://schemas.openxmlformats.org/officeDocument/2006/relationships" xmlns:p="http://schemas.openxmlformats.org/presentationml/2006/main">
+  <p:cSld>
+    <p:bg>
+      <p:bgPr>
+        <a:solidFill>
+          <a:srgbClr val="D2DAE2"/>
+        </a:solidFill>
+        <a:effectLst/>
+      </p:bgPr>
+    </p:bg>
+    <p:spTree>
+      <p:nvGrpSpPr>
+        <p:cNvPr id="1" name=""/>
+        <p:cNvGrpSpPr/>
+        <p:nvPr/>
+      </p:nvGrpSpPr>
+      <p:grpSpPr>
+        <a:xfrm>
+          <a:off x="0" y="0"/>
+          <a:ext cx="0" cy="0"/>
+          <a:chOff x="0" y="0"/>
+          <a:chExt cx="0" cy="0"/>
+        </a:xfrm>
+      </p:grpSpPr>
+      <p:pic>
+        <p:nvPicPr>
+          <p:cNvPr id="5" name="Imagem 4" descr="Interface gráfica do usuário, Aplicativo&#10;&#10;Descrição gerada automaticamente">
+            <a:extLst>
+              <a:ext uri="{FF2B5EF4-FFF2-40B4-BE49-F238E27FC236}">
+                <a16:creationId xmlns:a16="http://schemas.microsoft.com/office/drawing/2014/main" id="{C912F86A-3528-4A7C-9FF1-9D4ADAD74B4B}"/>
+              </a:ext>
+            </a:extLst>
+          </p:cNvPr>
+          <p:cNvPicPr>
+            <a:picLocks noChangeAspect="1"/>
+          </p:cNvPicPr>
+          <p:nvPr/>
+        </p:nvPicPr>
+        <p:blipFill>
+          <a:blip r:embed="rId2"/>
+          <a:stretch>
+            <a:fillRect/>
+          </a:stretch>
+        </p:blipFill>
+        <p:spPr>
+          <a:xfrm>
+            <a:off x="643467" y="907203"/>
+            <a:ext cx="10905066" cy="5043592"/>
+          </a:xfrm>
+          <a:prstGeom prst="rect">
+            <a:avLst/>
+          </a:prstGeom>
+        </p:spPr>
+      </p:pic>
+    </p:spTree>
+    <p:extLst>
+      <p:ext uri="{BB962C8B-B14F-4D97-AF65-F5344CB8AC3E}">
+        <p14:creationId xmlns:p14="http://schemas.microsoft.com/office/powerpoint/2010/main" val="1475555258"/>
+      </p:ext>
+    </p:extLst>
+  </p:cSld>
+  <p:clrMapOvr>
+    <a:masterClrMapping/>
+  </p:clrMapOvr>
+</p:sld>
+</file>
+
+<file path=ppt/slides/slide6.xml><?xml version="1.0" encoding="utf-8"?>
+<p:sld xmlns:a="http://schemas.openxmlformats.org/drawingml/2006/main" xmlns:r="http://schemas.openxmlformats.org/officeDocument/2006/relationships" xmlns:p="http://schemas.openxmlformats.org/presentationml/2006/main">
+  <p:cSld>
+    <p:bg>
+      <p:bgPr>
+        <a:solidFill>
+          <a:srgbClr val="D2DAE2"/>
+        </a:solidFill>
+        <a:effectLst/>
+      </p:bgPr>
+    </p:bg>
+    <p:spTree>
+      <p:nvGrpSpPr>
+        <p:cNvPr id="1" name=""/>
+        <p:cNvGrpSpPr/>
+        <p:nvPr/>
+      </p:nvGrpSpPr>
+      <p:grpSpPr>
+        <a:xfrm>
+          <a:off x="0" y="0"/>
+          <a:ext cx="0" cy="0"/>
+          <a:chOff x="0" y="0"/>
+          <a:chExt cx="0" cy="0"/>
+        </a:xfrm>
+      </p:grpSpPr>
+      <p:pic>
+        <p:nvPicPr>
+          <p:cNvPr id="3" name="Imagem 2" descr="Menino com roupa azul&#10;&#10;Descrição gerada automaticamente">
+            <a:extLst>
+              <a:ext uri="{FF2B5EF4-FFF2-40B4-BE49-F238E27FC236}">
+                <a16:creationId xmlns:a16="http://schemas.microsoft.com/office/drawing/2014/main" id="{9D6E978E-ACE3-4CD9-8AA8-8BA5A6938D49}"/>
+              </a:ext>
+            </a:extLst>
+          </p:cNvPr>
+          <p:cNvPicPr>
+            <a:picLocks noChangeAspect="1"/>
+          </p:cNvPicPr>
+          <p:nvPr/>
+        </p:nvPicPr>
+        <p:blipFill>
+          <a:blip r:embed="rId2">
+            <a:extLst>
+              <a:ext uri="{28A0092B-C50C-407E-A947-70E740481C1C}">
+                <a14:useLocalDpi xmlns:a14="http://schemas.microsoft.com/office/drawing/2010/main" val="0"/>
+              </a:ext>
+            </a:extLst>
+          </a:blip>
+          <a:stretch>
+            <a:fillRect/>
+          </a:stretch>
+        </p:blipFill>
+        <p:spPr>
+          <a:xfrm>
+            <a:off x="550491" y="279835"/>
+            <a:ext cx="11091018" cy="6298329"/>
+          </a:xfrm>
+          <a:prstGeom prst="rect">
+            <a:avLst/>
+          </a:prstGeom>
+        </p:spPr>
+      </p:pic>
+    </p:spTree>
+    <p:extLst>
+      <p:ext uri="{BB962C8B-B14F-4D97-AF65-F5344CB8AC3E}">
         <p14:creationId xmlns:p14="http://schemas.microsoft.com/office/powerpoint/2010/main" val="1369168604"/>
       </p:ext>
     </p:extLst>
@@ -3444,10 +3620,651 @@
 </p:sld>
 </file>
 
+<file path=ppt/slides/slide7.xml><?xml version="1.0" encoding="utf-8"?>
+<p:sld xmlns:a="http://schemas.openxmlformats.org/drawingml/2006/main" xmlns:r="http://schemas.openxmlformats.org/officeDocument/2006/relationships" xmlns:p="http://schemas.openxmlformats.org/presentationml/2006/main">
+  <p:cSld>
+    <p:bg>
+      <p:bgPr>
+        <a:solidFill>
+          <a:srgbClr val="D2DAE2"/>
+        </a:solidFill>
+        <a:effectLst/>
+      </p:bgPr>
+    </p:bg>
+    <p:spTree>
+      <p:nvGrpSpPr>
+        <p:cNvPr id="1" name=""/>
+        <p:cNvGrpSpPr/>
+        <p:nvPr/>
+      </p:nvGrpSpPr>
+      <p:grpSpPr>
+        <a:xfrm>
+          <a:off x="0" y="0"/>
+          <a:ext cx="0" cy="0"/>
+          <a:chOff x="0" y="0"/>
+          <a:chExt cx="0" cy="0"/>
+        </a:xfrm>
+      </p:grpSpPr>
+      <p:pic>
+        <p:nvPicPr>
+          <p:cNvPr id="3074" name="Picture 2" descr="Ícone de toque de aperto de mão - Baixar PNG/SVG Transparente">
+            <a:extLst>
+              <a:ext uri="{FF2B5EF4-FFF2-40B4-BE49-F238E27FC236}">
+                <a16:creationId xmlns:a16="http://schemas.microsoft.com/office/drawing/2014/main" id="{AEC32A55-977F-42CA-B512-08FB98F8CE04}"/>
+              </a:ext>
+            </a:extLst>
+          </p:cNvPr>
+          <p:cNvPicPr>
+            <a:picLocks noChangeAspect="1" noChangeArrowheads="1"/>
+          </p:cNvPicPr>
+          <p:nvPr/>
+        </p:nvPicPr>
+        <p:blipFill>
+          <a:blip r:embed="rId2">
+            <a:extLst>
+              <a:ext uri="{28A0092B-C50C-407E-A947-70E740481C1C}">
+                <a14:useLocalDpi xmlns:a14="http://schemas.microsoft.com/office/drawing/2010/main" val="0"/>
+              </a:ext>
+            </a:extLst>
+          </a:blip>
+          <a:srcRect/>
+          <a:stretch>
+            <a:fillRect/>
+          </a:stretch>
+        </p:blipFill>
+        <p:spPr bwMode="auto">
+          <a:xfrm>
+            <a:off x="995545" y="1953803"/>
+            <a:ext cx="2280573" cy="2280573"/>
+          </a:xfrm>
+          <a:prstGeom prst="rect">
+            <a:avLst/>
+          </a:prstGeom>
+          <a:noFill/>
+          <a:extLst>
+            <a:ext uri="{909E8E84-426E-40DD-AFC4-6F175D3DCCD1}">
+              <a14:hiddenFill xmlns:a14="http://schemas.microsoft.com/office/drawing/2010/main">
+                <a:solidFill>
+                  <a:srgbClr val="FFFFFF"/>
+                </a:solidFill>
+              </a14:hiddenFill>
+            </a:ext>
+          </a:extLst>
+        </p:spPr>
+      </p:pic>
+      <p:pic>
+        <p:nvPicPr>
+          <p:cNvPr id="3076" name="Picture 4" descr="Skate Ícone - Download Grátis, PNG e Vetores">
+            <a:extLst>
+              <a:ext uri="{FF2B5EF4-FFF2-40B4-BE49-F238E27FC236}">
+                <a16:creationId xmlns:a16="http://schemas.microsoft.com/office/drawing/2014/main" id="{120BEEE0-03C4-4D76-B0B3-033450F40FD2}"/>
+              </a:ext>
+            </a:extLst>
+          </p:cNvPr>
+          <p:cNvPicPr>
+            <a:picLocks noChangeAspect="1" noChangeArrowheads="1"/>
+          </p:cNvPicPr>
+          <p:nvPr/>
+        </p:nvPicPr>
+        <p:blipFill>
+          <a:blip r:embed="rId3">
+            <a:extLst>
+              <a:ext uri="{28A0092B-C50C-407E-A947-70E740481C1C}">
+                <a14:useLocalDpi xmlns:a14="http://schemas.microsoft.com/office/drawing/2010/main" val="0"/>
+              </a:ext>
+            </a:extLst>
+          </a:blip>
+          <a:srcRect/>
+          <a:stretch>
+            <a:fillRect/>
+          </a:stretch>
+        </p:blipFill>
+        <p:spPr bwMode="auto">
+          <a:xfrm>
+            <a:off x="8915881" y="2050033"/>
+            <a:ext cx="2088109" cy="2088109"/>
+          </a:xfrm>
+          <a:prstGeom prst="rect">
+            <a:avLst/>
+          </a:prstGeom>
+          <a:noFill/>
+          <a:extLst>
+            <a:ext uri="{909E8E84-426E-40DD-AFC4-6F175D3DCCD1}">
+              <a14:hiddenFill xmlns:a14="http://schemas.microsoft.com/office/drawing/2010/main">
+                <a:solidFill>
+                  <a:srgbClr val="FFFFFF"/>
+                </a:solidFill>
+              </a14:hiddenFill>
+            </a:ext>
+          </a:extLst>
+        </p:spPr>
+      </p:pic>
+      <p:sp>
+        <p:nvSpPr>
+          <p:cNvPr id="2" name="CaixaDeTexto 1">
+            <a:extLst>
+              <a:ext uri="{FF2B5EF4-FFF2-40B4-BE49-F238E27FC236}">
+                <a16:creationId xmlns:a16="http://schemas.microsoft.com/office/drawing/2014/main" id="{E79061CE-35F2-45C1-ABE6-63D8F55DCD82}"/>
+              </a:ext>
+            </a:extLst>
+          </p:cNvPr>
+          <p:cNvSpPr txBox="1"/>
+          <p:nvPr/>
+        </p:nvSpPr>
+        <p:spPr>
+          <a:xfrm>
+            <a:off x="995545" y="4406654"/>
+            <a:ext cx="2280573" cy="1107996"/>
+          </a:xfrm>
+          <a:prstGeom prst="rect">
+            <a:avLst/>
+          </a:prstGeom>
+          <a:noFill/>
+        </p:spPr>
+        <p:txBody>
+          <a:bodyPr wrap="square" rtlCol="0">
+            <a:spAutoFit/>
+          </a:bodyPr>
+          <a:lstStyle/>
+          <a:p>
+            <a:r>
+              <a:rPr lang="pt-BR" sz="6600" dirty="0">
+                <a:latin typeface="Gloucester MT Extra Condensed" panose="02030808020601010101" pitchFamily="18" charset="0"/>
+              </a:rPr>
+              <a:t>Amizade</a:t>
+            </a:r>
+          </a:p>
+        </p:txBody>
+      </p:sp>
+      <p:sp>
+        <p:nvSpPr>
+          <p:cNvPr id="9" name="CaixaDeTexto 8">
+            <a:extLst>
+              <a:ext uri="{FF2B5EF4-FFF2-40B4-BE49-F238E27FC236}">
+                <a16:creationId xmlns:a16="http://schemas.microsoft.com/office/drawing/2014/main" id="{30AAD969-44B6-4F45-AB73-19AF12DC8DD5}"/>
+              </a:ext>
+            </a:extLst>
+          </p:cNvPr>
+          <p:cNvSpPr txBox="1"/>
+          <p:nvPr/>
+        </p:nvSpPr>
+        <p:spPr>
+          <a:xfrm>
+            <a:off x="8915882" y="4461834"/>
+            <a:ext cx="2507493" cy="1107996"/>
+          </a:xfrm>
+          <a:prstGeom prst="rect">
+            <a:avLst/>
+          </a:prstGeom>
+          <a:noFill/>
+        </p:spPr>
+        <p:txBody>
+          <a:bodyPr wrap="square" rtlCol="0">
+            <a:spAutoFit/>
+          </a:bodyPr>
+          <a:lstStyle/>
+          <a:p>
+            <a:r>
+              <a:rPr lang="pt-BR" sz="6600" dirty="0">
+                <a:latin typeface="Gloucester MT Extra Condensed" panose="02030808020601010101" pitchFamily="18" charset="0"/>
+              </a:rPr>
+              <a:t>Liberdade</a:t>
+            </a:r>
+            <a:endParaRPr lang="pt-BR" sz="6000" dirty="0">
+              <a:latin typeface="Gloucester MT Extra Condensed" panose="02030808020601010101" pitchFamily="18" charset="0"/>
+            </a:endParaRPr>
+          </a:p>
+        </p:txBody>
+      </p:sp>
+      <p:sp>
+        <p:nvSpPr>
+          <p:cNvPr id="12" name="CaixaDeTexto 11">
+            <a:extLst>
+              <a:ext uri="{FF2B5EF4-FFF2-40B4-BE49-F238E27FC236}">
+                <a16:creationId xmlns:a16="http://schemas.microsoft.com/office/drawing/2014/main" id="{7E9B9557-4DAA-4539-A58E-2E65F98B27D1}"/>
+              </a:ext>
+            </a:extLst>
+          </p:cNvPr>
+          <p:cNvSpPr txBox="1"/>
+          <p:nvPr/>
+        </p:nvSpPr>
+        <p:spPr>
+          <a:xfrm>
+            <a:off x="4379544" y="4461834"/>
+            <a:ext cx="3432912" cy="1107996"/>
+          </a:xfrm>
+          <a:prstGeom prst="rect">
+            <a:avLst/>
+          </a:prstGeom>
+          <a:noFill/>
+        </p:spPr>
+        <p:txBody>
+          <a:bodyPr wrap="square" rtlCol="0">
+            <a:spAutoFit/>
+          </a:bodyPr>
+          <a:lstStyle/>
+          <a:p>
+            <a:r>
+              <a:rPr lang="pt-BR" sz="6600" dirty="0">
+                <a:latin typeface="Gloucester MT Extra Condensed" panose="02030808020601010101" pitchFamily="18" charset="0"/>
+              </a:rPr>
+              <a:t>Determinação</a:t>
+            </a:r>
+          </a:p>
+        </p:txBody>
+      </p:sp>
+      <p:pic>
+        <p:nvPicPr>
+          <p:cNvPr id="3" name="Picture 2" descr="Determinação - ícones de mãos e gestos grátis">
+            <a:extLst>
+              <a:ext uri="{FF2B5EF4-FFF2-40B4-BE49-F238E27FC236}">
+                <a16:creationId xmlns:a16="http://schemas.microsoft.com/office/drawing/2014/main" id="{5EA89F2C-A6F0-490B-AD74-D07CF11F9DBB}"/>
+              </a:ext>
+            </a:extLst>
+          </p:cNvPr>
+          <p:cNvPicPr>
+            <a:picLocks noChangeAspect="1" noChangeArrowheads="1"/>
+          </p:cNvPicPr>
+          <p:nvPr/>
+        </p:nvPicPr>
+        <p:blipFill>
+          <a:blip r:embed="rId4">
+            <a:extLst>
+              <a:ext uri="{28A0092B-C50C-407E-A947-70E740481C1C}">
+                <a14:useLocalDpi xmlns:a14="http://schemas.microsoft.com/office/drawing/2010/main" val="0"/>
+              </a:ext>
+            </a:extLst>
+          </a:blip>
+          <a:srcRect/>
+          <a:stretch>
+            <a:fillRect/>
+          </a:stretch>
+        </p:blipFill>
+        <p:spPr bwMode="auto">
+          <a:xfrm>
+            <a:off x="5051945" y="2050033"/>
+            <a:ext cx="2088109" cy="2088109"/>
+          </a:xfrm>
+          <a:prstGeom prst="rect">
+            <a:avLst/>
+          </a:prstGeom>
+          <a:noFill/>
+          <a:extLst>
+            <a:ext uri="{909E8E84-426E-40DD-AFC4-6F175D3DCCD1}">
+              <a14:hiddenFill xmlns:a14="http://schemas.microsoft.com/office/drawing/2010/main">
+                <a:solidFill>
+                  <a:srgbClr val="FFFFFF"/>
+                </a:solidFill>
+              </a14:hiddenFill>
+            </a:ext>
+          </a:extLst>
+        </p:spPr>
+      </p:pic>
+    </p:spTree>
+    <p:extLst>
+      <p:ext uri="{BB962C8B-B14F-4D97-AF65-F5344CB8AC3E}">
+        <p14:creationId xmlns:p14="http://schemas.microsoft.com/office/powerpoint/2010/main" val="2837421147"/>
+      </p:ext>
+    </p:extLst>
+  </p:cSld>
+  <p:clrMapOvr>
+    <a:masterClrMapping/>
+  </p:clrMapOvr>
+</p:sld>
+</file>
+
+<file path=ppt/slides/slide8.xml><?xml version="1.0" encoding="utf-8"?>
+<p:sld xmlns:a="http://schemas.openxmlformats.org/drawingml/2006/main" xmlns:r="http://schemas.openxmlformats.org/officeDocument/2006/relationships" xmlns:p="http://schemas.openxmlformats.org/presentationml/2006/main">
+  <p:cSld>
+    <p:bg>
+      <p:bgPr>
+        <a:solidFill>
+          <a:srgbClr val="D2DAE2"/>
+        </a:solidFill>
+        <a:effectLst/>
+      </p:bgPr>
+    </p:bg>
+    <p:spTree>
+      <p:nvGrpSpPr>
+        <p:cNvPr id="1" name=""/>
+        <p:cNvGrpSpPr/>
+        <p:nvPr/>
+      </p:nvGrpSpPr>
+      <p:grpSpPr>
+        <a:xfrm>
+          <a:off x="0" y="0"/>
+          <a:ext cx="0" cy="0"/>
+          <a:chOff x="0" y="0"/>
+          <a:chExt cx="0" cy="0"/>
+        </a:xfrm>
+      </p:grpSpPr>
+      <p:pic>
+        <p:nvPicPr>
+          <p:cNvPr id="2052" name="Picture 4" descr="Pin em Balud">
+            <a:extLst>
+              <a:ext uri="{FF2B5EF4-FFF2-40B4-BE49-F238E27FC236}">
+                <a16:creationId xmlns:a16="http://schemas.microsoft.com/office/drawing/2014/main" id="{06B03B9A-AD7E-40EB-9B3E-4618393CA4BC}"/>
+              </a:ext>
+            </a:extLst>
+          </p:cNvPr>
+          <p:cNvPicPr>
+            <a:picLocks noChangeAspect="1" noChangeArrowheads="1"/>
+          </p:cNvPicPr>
+          <p:nvPr/>
+        </p:nvPicPr>
+        <p:blipFill>
+          <a:blip r:embed="rId2">
+            <a:extLst>
+              <a:ext uri="{28A0092B-C50C-407E-A947-70E740481C1C}">
+                <a14:useLocalDpi xmlns:a14="http://schemas.microsoft.com/office/drawing/2010/main" val="0"/>
+              </a:ext>
+            </a:extLst>
+          </a:blip>
+          <a:srcRect/>
+          <a:stretch>
+            <a:fillRect/>
+          </a:stretch>
+        </p:blipFill>
+        <p:spPr bwMode="auto">
+          <a:xfrm>
+            <a:off x="6997148" y="0"/>
+            <a:ext cx="5194852" cy="6858000"/>
+          </a:xfrm>
+          <a:prstGeom prst="rect">
+            <a:avLst/>
+          </a:prstGeom>
+          <a:noFill/>
+          <a:extLst>
+            <a:ext uri="{909E8E84-426E-40DD-AFC4-6F175D3DCCD1}">
+              <a14:hiddenFill xmlns:a14="http://schemas.microsoft.com/office/drawing/2010/main">
+                <a:solidFill>
+                  <a:srgbClr val="FFFFFF"/>
+                </a:solidFill>
+              </a14:hiddenFill>
+            </a:ext>
+          </a:extLst>
+        </p:spPr>
+      </p:pic>
+      <p:sp>
+        <p:nvSpPr>
+          <p:cNvPr id="4" name="CaixaDeTexto 3">
+            <a:extLst>
+              <a:ext uri="{FF2B5EF4-FFF2-40B4-BE49-F238E27FC236}">
+                <a16:creationId xmlns:a16="http://schemas.microsoft.com/office/drawing/2014/main" id="{80CE14AF-F5C2-4790-943C-A879DEC1055D}"/>
+              </a:ext>
+            </a:extLst>
+          </p:cNvPr>
+          <p:cNvSpPr txBox="1"/>
+          <p:nvPr/>
+        </p:nvSpPr>
+        <p:spPr>
+          <a:xfrm>
+            <a:off x="1093306" y="2105561"/>
+            <a:ext cx="4658138" cy="1323439"/>
+          </a:xfrm>
+          <a:prstGeom prst="rect">
+            <a:avLst/>
+          </a:prstGeom>
+          <a:noFill/>
+        </p:spPr>
+        <p:txBody>
+          <a:bodyPr wrap="square" rtlCol="0">
+            <a:spAutoFit/>
+          </a:bodyPr>
+          <a:lstStyle/>
+          <a:p>
+            <a:r>
+              <a:rPr lang="pt-BR" sz="8000" dirty="0">
+                <a:latin typeface="Gloucester MT Extra Condensed" panose="02030808020601010101" pitchFamily="18" charset="0"/>
+                <a:cs typeface="Arial" panose="020B0604020202020204" pitchFamily="34" charset="0"/>
+              </a:rPr>
+              <a:t>DIFICULDADES</a:t>
+            </a:r>
+            <a:endParaRPr lang="pt-BR" dirty="0">
+              <a:latin typeface="Gloucester MT Extra Condensed" panose="02030808020601010101" pitchFamily="18" charset="0"/>
+              <a:cs typeface="Arial" panose="020B0604020202020204" pitchFamily="34" charset="0"/>
+            </a:endParaRPr>
+          </a:p>
+        </p:txBody>
+      </p:sp>
+      <p:pic>
+        <p:nvPicPr>
+          <p:cNvPr id="2054" name="Picture 6" descr="Rosto triste em quadrado arredondado - ícones de interface grátis">
+            <a:extLst>
+              <a:ext uri="{FF2B5EF4-FFF2-40B4-BE49-F238E27FC236}">
+                <a16:creationId xmlns:a16="http://schemas.microsoft.com/office/drawing/2014/main" id="{AF600492-3B16-4BF4-922F-1523C6CF60E0}"/>
+              </a:ext>
+            </a:extLst>
+          </p:cNvPr>
+          <p:cNvPicPr>
+            <a:picLocks noChangeAspect="1" noChangeArrowheads="1"/>
+          </p:cNvPicPr>
+          <p:nvPr/>
+        </p:nvPicPr>
+        <p:blipFill>
+          <a:blip r:embed="rId3">
+            <a:extLst>
+              <a:ext uri="{28A0092B-C50C-407E-A947-70E740481C1C}">
+                <a14:useLocalDpi xmlns:a14="http://schemas.microsoft.com/office/drawing/2010/main" val="0"/>
+              </a:ext>
+            </a:extLst>
+          </a:blip>
+          <a:srcRect/>
+          <a:stretch>
+            <a:fillRect/>
+          </a:stretch>
+        </p:blipFill>
+        <p:spPr bwMode="auto">
+          <a:xfrm flipH="1">
+            <a:off x="2695162" y="3617843"/>
+            <a:ext cx="1454426" cy="1454426"/>
+          </a:xfrm>
+          <a:prstGeom prst="rect">
+            <a:avLst/>
+          </a:prstGeom>
+          <a:noFill/>
+          <a:extLst>
+            <a:ext uri="{909E8E84-426E-40DD-AFC4-6F175D3DCCD1}">
+              <a14:hiddenFill xmlns:a14="http://schemas.microsoft.com/office/drawing/2010/main">
+                <a:solidFill>
+                  <a:srgbClr val="FFFFFF"/>
+                </a:solidFill>
+              </a14:hiddenFill>
+            </a:ext>
+          </a:extLst>
+        </p:spPr>
+      </p:pic>
+    </p:spTree>
+    <p:extLst>
+      <p:ext uri="{BB962C8B-B14F-4D97-AF65-F5344CB8AC3E}">
+        <p14:creationId xmlns:p14="http://schemas.microsoft.com/office/powerpoint/2010/main" val="310026332"/>
+      </p:ext>
+    </p:extLst>
+  </p:cSld>
+  <p:clrMapOvr>
+    <a:masterClrMapping/>
+  </p:clrMapOvr>
+</p:sld>
+</file>
+
+<file path=ppt/slides/slide9.xml><?xml version="1.0" encoding="utf-8"?>
+<p:sld xmlns:a="http://schemas.openxmlformats.org/drawingml/2006/main" xmlns:r="http://schemas.openxmlformats.org/officeDocument/2006/relationships" xmlns:p="http://schemas.openxmlformats.org/presentationml/2006/main">
+  <p:cSld>
+    <p:bg>
+      <p:bgPr>
+        <a:solidFill>
+          <a:srgbClr val="D2DAE2"/>
+        </a:solidFill>
+        <a:effectLst/>
+      </p:bgPr>
+    </p:bg>
+    <p:spTree>
+      <p:nvGrpSpPr>
+        <p:cNvPr id="1" name=""/>
+        <p:cNvGrpSpPr/>
+        <p:nvPr/>
+      </p:nvGrpSpPr>
+      <p:grpSpPr>
+        <a:xfrm>
+          <a:off x="0" y="0"/>
+          <a:ext cx="0" cy="0"/>
+          <a:chOff x="0" y="0"/>
+          <a:chExt cx="0" cy="0"/>
+        </a:xfrm>
+      </p:grpSpPr>
+      <p:sp>
+        <p:nvSpPr>
+          <p:cNvPr id="4" name="CaixaDeTexto 3">
+            <a:extLst>
+              <a:ext uri="{FF2B5EF4-FFF2-40B4-BE49-F238E27FC236}">
+                <a16:creationId xmlns:a16="http://schemas.microsoft.com/office/drawing/2014/main" id="{80CE14AF-F5C2-4790-943C-A879DEC1055D}"/>
+              </a:ext>
+            </a:extLst>
+          </p:cNvPr>
+          <p:cNvSpPr txBox="1"/>
+          <p:nvPr/>
+        </p:nvSpPr>
+        <p:spPr>
+          <a:xfrm>
+            <a:off x="708993" y="2228671"/>
+            <a:ext cx="5387007" cy="1200329"/>
+          </a:xfrm>
+          <a:prstGeom prst="rect">
+            <a:avLst/>
+          </a:prstGeom>
+          <a:noFill/>
+        </p:spPr>
+        <p:txBody>
+          <a:bodyPr wrap="square" rtlCol="0">
+            <a:spAutoFit/>
+          </a:bodyPr>
+          <a:lstStyle/>
+          <a:p>
+            <a:r>
+              <a:rPr lang="pt-BR" sz="7200" dirty="0">
+                <a:latin typeface="Gloucester MT Extra Condensed" panose="02030808020601010101" pitchFamily="18" charset="0"/>
+                <a:cs typeface="Arial" panose="020B0604020202020204" pitchFamily="34" charset="0"/>
+              </a:rPr>
+              <a:t>AGRADECIMENTOS</a:t>
+            </a:r>
+            <a:endParaRPr lang="pt-BR" sz="1600" dirty="0">
+              <a:latin typeface="Gloucester MT Extra Condensed" panose="02030808020601010101" pitchFamily="18" charset="0"/>
+              <a:cs typeface="Arial" panose="020B0604020202020204" pitchFamily="34" charset="0"/>
+            </a:endParaRPr>
+          </a:p>
+        </p:txBody>
+      </p:sp>
+      <p:pic>
+        <p:nvPicPr>
+          <p:cNvPr id="1026" name="Picture 2" descr="Feliz Ícone - Download Grátis, PNG e Vetores">
+            <a:extLst>
+              <a:ext uri="{FF2B5EF4-FFF2-40B4-BE49-F238E27FC236}">
+                <a16:creationId xmlns:a16="http://schemas.microsoft.com/office/drawing/2014/main" id="{8EF38C95-D89E-4A60-8D36-422446C0C296}"/>
+              </a:ext>
+            </a:extLst>
+          </p:cNvPr>
+          <p:cNvPicPr>
+            <a:picLocks noChangeAspect="1" noChangeArrowheads="1"/>
+          </p:cNvPicPr>
+          <p:nvPr/>
+        </p:nvPicPr>
+        <p:blipFill>
+          <a:blip r:embed="rId2">
+            <a:extLst>
+              <a:ext uri="{28A0092B-C50C-407E-A947-70E740481C1C}">
+                <a14:useLocalDpi xmlns:a14="http://schemas.microsoft.com/office/drawing/2010/main" val="0"/>
+              </a:ext>
+            </a:extLst>
+          </a:blip>
+          <a:srcRect/>
+          <a:stretch>
+            <a:fillRect/>
+          </a:stretch>
+        </p:blipFill>
+        <p:spPr bwMode="auto">
+          <a:xfrm>
+            <a:off x="2683773" y="3429000"/>
+            <a:ext cx="1437446" cy="1437446"/>
+          </a:xfrm>
+          <a:prstGeom prst="rect">
+            <a:avLst/>
+          </a:prstGeom>
+          <a:noFill/>
+          <a:extLst>
+            <a:ext uri="{909E8E84-426E-40DD-AFC4-6F175D3DCCD1}">
+              <a14:hiddenFill xmlns:a14="http://schemas.microsoft.com/office/drawing/2010/main">
+                <a:solidFill>
+                  <a:srgbClr val="FFFFFF"/>
+                </a:solidFill>
+              </a14:hiddenFill>
+            </a:ext>
+          </a:extLst>
+        </p:spPr>
+      </p:pic>
+      <p:pic>
+        <p:nvPicPr>
+          <p:cNvPr id="1028" name="Picture 4" descr="man and woman walking on gray concrete road during daytime">
+            <a:extLst>
+              <a:ext uri="{FF2B5EF4-FFF2-40B4-BE49-F238E27FC236}">
+                <a16:creationId xmlns:a16="http://schemas.microsoft.com/office/drawing/2014/main" id="{51D66028-F99A-4D8B-BC7E-7732EF315C70}"/>
+              </a:ext>
+            </a:extLst>
+          </p:cNvPr>
+          <p:cNvPicPr>
+            <a:picLocks noChangeAspect="1" noChangeArrowheads="1"/>
+          </p:cNvPicPr>
+          <p:nvPr/>
+        </p:nvPicPr>
+        <p:blipFill>
+          <a:blip r:embed="rId3">
+            <a:extLst>
+              <a:ext uri="{28A0092B-C50C-407E-A947-70E740481C1C}">
+                <a14:useLocalDpi xmlns:a14="http://schemas.microsoft.com/office/drawing/2010/main" val="0"/>
+              </a:ext>
+            </a:extLst>
+          </a:blip>
+          <a:srcRect/>
+          <a:stretch>
+            <a:fillRect/>
+          </a:stretch>
+        </p:blipFill>
+        <p:spPr bwMode="auto">
+          <a:xfrm>
+            <a:off x="7275443" y="0"/>
+            <a:ext cx="4916557" cy="6858000"/>
+          </a:xfrm>
+          <a:prstGeom prst="rect">
+            <a:avLst/>
+          </a:prstGeom>
+          <a:noFill/>
+          <a:extLst>
+            <a:ext uri="{909E8E84-426E-40DD-AFC4-6F175D3DCCD1}">
+              <a14:hiddenFill xmlns:a14="http://schemas.microsoft.com/office/drawing/2010/main">
+                <a:solidFill>
+                  <a:srgbClr val="FFFFFF"/>
+                </a:solidFill>
+              </a14:hiddenFill>
+            </a:ext>
+          </a:extLst>
+        </p:spPr>
+      </p:pic>
+    </p:spTree>
+    <p:extLst>
+      <p:ext uri="{BB962C8B-B14F-4D97-AF65-F5344CB8AC3E}">
+        <p14:creationId xmlns:p14="http://schemas.microsoft.com/office/powerpoint/2010/main" val="4009553483"/>
+      </p:ext>
+    </p:extLst>
+  </p:cSld>
+  <p:clrMapOvr>
+    <a:masterClrMapping/>
+  </p:clrMapOvr>
+</p:sld>
+</file>
+
 <file path=ppt/theme/theme1.xml><?xml version="1.0" encoding="utf-8"?>
-<a:theme xmlns:a="http://schemas.openxmlformats.org/drawingml/2006/main" name="Tema do Office">
+<a:theme xmlns:a="http://schemas.openxmlformats.org/drawingml/2006/main" name="Office Theme">
   <a:themeElements>
-    <a:clrScheme name="Office">
+    <a:clrScheme name="Tema do Office">
       <a:dk1>
         <a:sysClr val="windowText" lastClr="000000"/>
       </a:dk1>
@@ -3485,7 +4302,7 @@
         <a:srgbClr val="954F72"/>
       </a:folHlink>
     </a:clrScheme>
-    <a:fontScheme name="Office">
+    <a:fontScheme name="Tema do Office">
       <a:majorFont>
         <a:latin typeface="Calibri Light" panose="020F0302020204030204"/>
         <a:ea typeface=""/>
@@ -3520,23 +4337,6 @@
         <a:font script="Viet" typeface="Times New Roman"/>
         <a:font script="Uigh" typeface="Microsoft Uighur"/>
         <a:font script="Geor" typeface="Sylfaen"/>
-        <a:font script="Armn" typeface="Arial"/>
-        <a:font script="Bugi" typeface="Leelawadee UI"/>
-        <a:font script="Bopo" typeface="Microsoft JhengHei"/>
-        <a:font script="Java" typeface="Javanese Text"/>
-        <a:font script="Lisu" typeface="Segoe UI"/>
-        <a:font script="Mymr" typeface="Myanmar Text"/>
-        <a:font script="Nkoo" typeface="Ebrima"/>
-        <a:font script="Olck" typeface="Nirmala UI"/>
-        <a:font script="Osma" typeface="Ebrima"/>
-        <a:font script="Phag" typeface="Phagspa"/>
-        <a:font script="Syrn" typeface="Estrangelo Edessa"/>
-        <a:font script="Syrj" typeface="Estrangelo Edessa"/>
-        <a:font script="Syre" typeface="Estrangelo Edessa"/>
-        <a:font script="Sora" typeface="Nirmala UI"/>
-        <a:font script="Tale" typeface="Microsoft Tai Le"/>
-        <a:font script="Talu" typeface="Microsoft New Tai Lue"/>
-        <a:font script="Tfng" typeface="Ebrima"/>
       </a:majorFont>
       <a:minorFont>
         <a:latin typeface="Calibri" panose="020F0502020204030204"/>
@@ -3572,26 +4372,9 @@
         <a:font script="Viet" typeface="Arial"/>
         <a:font script="Uigh" typeface="Microsoft Uighur"/>
         <a:font script="Geor" typeface="Sylfaen"/>
-        <a:font script="Armn" typeface="Arial"/>
-        <a:font script="Bugi" typeface="Leelawadee UI"/>
-        <a:font script="Bopo" typeface="Microsoft JhengHei"/>
-        <a:font script="Java" typeface="Javanese Text"/>
-        <a:font script="Lisu" typeface="Segoe UI"/>
-        <a:font script="Mymr" typeface="Myanmar Text"/>
-        <a:font script="Nkoo" typeface="Ebrima"/>
-        <a:font script="Olck" typeface="Nirmala UI"/>
-        <a:font script="Osma" typeface="Ebrima"/>
-        <a:font script="Phag" typeface="Phagspa"/>
-        <a:font script="Syrn" typeface="Estrangelo Edessa"/>
-        <a:font script="Syrj" typeface="Estrangelo Edessa"/>
-        <a:font script="Syre" typeface="Estrangelo Edessa"/>
-        <a:font script="Sora" typeface="Nirmala UI"/>
-        <a:font script="Tale" typeface="Microsoft Tai Le"/>
-        <a:font script="Talu" typeface="Microsoft New Tai Lue"/>
-        <a:font script="Tfng" typeface="Ebrima"/>
       </a:minorFont>
     </a:fontScheme>
-    <a:fmtScheme name="Office">
+    <a:fmtScheme name="Tema do Office">
       <a:fillStyleLst>
         <a:solidFill>
           <a:schemeClr val="phClr"/>

--- a/Documentação/apresentação.pptx
+++ b/Documentação/apresentação.pptx
@@ -3397,6 +3397,36 @@
           <a:chExt cx="0" cy="0"/>
         </a:xfrm>
       </p:grpSpPr>
+      <p:pic>
+        <p:nvPicPr>
+          <p:cNvPr id="3" name="Imagem 2">
+            <a:extLst>
+              <a:ext uri="{FF2B5EF4-FFF2-40B4-BE49-F238E27FC236}">
+                <a16:creationId xmlns:a16="http://schemas.microsoft.com/office/drawing/2014/main" id="{D4CF8F7B-DCF9-4302-959E-EE8FFDA64437}"/>
+              </a:ext>
+            </a:extLst>
+          </p:cNvPr>
+          <p:cNvPicPr>
+            <a:picLocks noChangeAspect="1"/>
+          </p:cNvPicPr>
+          <p:nvPr/>
+        </p:nvPicPr>
+        <p:blipFill>
+          <a:blip r:embed="rId2"/>
+          <a:stretch>
+            <a:fillRect/>
+          </a:stretch>
+        </p:blipFill>
+        <p:spPr>
+          <a:xfrm>
+            <a:off x="658837" y="770831"/>
+            <a:ext cx="10874326" cy="5316337"/>
+          </a:xfrm>
+          <a:prstGeom prst="rect">
+            <a:avLst/>
+          </a:prstGeom>
+        </p:spPr>
+      </p:pic>
     </p:spTree>
     <p:extLst>
       <p:ext uri="{BB962C8B-B14F-4D97-AF65-F5344CB8AC3E}">
